--- a/PPT/Class period 10.pptx
+++ b/PPT/Class period 10.pptx
@@ -17,7 +17,6 @@
     <p:sldId id="449" r:id="rId11"/>
     <p:sldId id="450" r:id="rId12"/>
     <p:sldId id="446" r:id="rId13"/>
-    <p:sldId id="451" r:id="rId14"/>
   </p:sldIdLst>
   <p:sldSz cx="12192000" cy="6858000"/>
   <p:notesSz cx="6858000" cy="9144000"/>
@@ -141,7 +140,7 @@
           <p:cNvPr id="2" name="Title 1">
             <a:extLst>
               <a:ext uri="{FF2B5EF4-FFF2-40B4-BE49-F238E27FC236}">
-                <a16:creationId xmlns:a16="http://schemas.microsoft.com/office/drawing/2014/main" id="{96399708-9B96-8A2E-7D99-B338F0A439FB}"/>
+                <a16:creationId xmlns:a16="http://schemas.microsoft.com/office/drawing/2014/main" id="{CCEE6BED-8568-652A-9803-91A0DE52D9F2}"/>
               </a:ext>
             </a:extLst>
           </p:cNvPr>
@@ -178,7 +177,7 @@
           <p:cNvPr id="3" name="Subtitle 2">
             <a:extLst>
               <a:ext uri="{FF2B5EF4-FFF2-40B4-BE49-F238E27FC236}">
-                <a16:creationId xmlns:a16="http://schemas.microsoft.com/office/drawing/2014/main" id="{0D680258-96E4-C3DD-DAA7-3A50B3732B52}"/>
+                <a16:creationId xmlns:a16="http://schemas.microsoft.com/office/drawing/2014/main" id="{EE3B6D89-2FC0-E279-46D1-932FE69A62FE}"/>
               </a:ext>
             </a:extLst>
           </p:cNvPr>
@@ -248,7 +247,7 @@
           <p:cNvPr id="4" name="Date Placeholder 3">
             <a:extLst>
               <a:ext uri="{FF2B5EF4-FFF2-40B4-BE49-F238E27FC236}">
-                <a16:creationId xmlns:a16="http://schemas.microsoft.com/office/drawing/2014/main" id="{8E8DCA18-9C25-C333-DC66-4EE2F554D219}"/>
+                <a16:creationId xmlns:a16="http://schemas.microsoft.com/office/drawing/2014/main" id="{7805EDBD-CB1D-91F0-E931-B25C01A83BE3}"/>
               </a:ext>
             </a:extLst>
           </p:cNvPr>
@@ -264,9 +263,9 @@
           <a:bodyPr/>
           <a:lstStyle/>
           <a:p>
-            <a:fld id="{A6864BA8-64E9-46EA-B469-F14C9DD481C5}" type="datetimeFigureOut">
+            <a:fld id="{77055D6E-4CBA-4A21-A9FA-F81E69B5082E}" type="datetimeFigureOut">
               <a:rPr lang="en-US" smtClean="0"/>
-              <a:t>4/20/2024</a:t>
+              <a:t>5/15/2024</a:t>
             </a:fld>
             <a:endParaRPr lang="en-US"/>
           </a:p>
@@ -277,7 +276,7 @@
           <p:cNvPr id="5" name="Footer Placeholder 4">
             <a:extLst>
               <a:ext uri="{FF2B5EF4-FFF2-40B4-BE49-F238E27FC236}">
-                <a16:creationId xmlns:a16="http://schemas.microsoft.com/office/drawing/2014/main" id="{52A43E8F-2907-DAFF-DF5B-A0C5A348768C}"/>
+                <a16:creationId xmlns:a16="http://schemas.microsoft.com/office/drawing/2014/main" id="{E39F2588-52D9-D26C-B96A-69921628DB69}"/>
               </a:ext>
             </a:extLst>
           </p:cNvPr>
@@ -302,7 +301,7 @@
           <p:cNvPr id="6" name="Slide Number Placeholder 5">
             <a:extLst>
               <a:ext uri="{FF2B5EF4-FFF2-40B4-BE49-F238E27FC236}">
-                <a16:creationId xmlns:a16="http://schemas.microsoft.com/office/drawing/2014/main" id="{76B56AC3-5B4B-5AE6-C19E-05AD229FC401}"/>
+                <a16:creationId xmlns:a16="http://schemas.microsoft.com/office/drawing/2014/main" id="{B7566AB5-48FB-C4B0-558B-D00F4E3E4578}"/>
               </a:ext>
             </a:extLst>
           </p:cNvPr>
@@ -318,7 +317,7 @@
           <a:bodyPr/>
           <a:lstStyle/>
           <a:p>
-            <a:fld id="{4C5EA4E6-93AE-49A7-B53C-0737C2D46FC9}" type="slidenum">
+            <a:fld id="{86DEE8B4-EDA9-4555-B0E8-6C7FC2CEA212}" type="slidenum">
               <a:rPr lang="en-US" smtClean="0"/>
               <a:t>‹#›</a:t>
             </a:fld>
@@ -329,7 +328,7 @@
     </p:spTree>
     <p:extLst>
       <p:ext uri="{BB962C8B-B14F-4D97-AF65-F5344CB8AC3E}">
-        <p14:creationId xmlns:p14="http://schemas.microsoft.com/office/powerpoint/2010/main" val="409115299"/>
+        <p14:creationId xmlns:p14="http://schemas.microsoft.com/office/powerpoint/2010/main" val="1008357876"/>
       </p:ext>
     </p:extLst>
   </p:cSld>
@@ -361,7 +360,7 @@
           <p:cNvPr id="2" name="Title 1">
             <a:extLst>
               <a:ext uri="{FF2B5EF4-FFF2-40B4-BE49-F238E27FC236}">
-                <a16:creationId xmlns:a16="http://schemas.microsoft.com/office/drawing/2014/main" id="{19FCC17F-02EA-C071-DE50-9FD2EC79C3C4}"/>
+                <a16:creationId xmlns:a16="http://schemas.microsoft.com/office/drawing/2014/main" id="{DAA527EB-0797-7B40-1F94-5BF713110A9F}"/>
               </a:ext>
             </a:extLst>
           </p:cNvPr>
@@ -389,7 +388,7 @@
           <p:cNvPr id="3" name="Vertical Text Placeholder 2">
             <a:extLst>
               <a:ext uri="{FF2B5EF4-FFF2-40B4-BE49-F238E27FC236}">
-                <a16:creationId xmlns:a16="http://schemas.microsoft.com/office/drawing/2014/main" id="{C19F872B-D427-A1DB-1540-0780BD4CA6E8}"/>
+                <a16:creationId xmlns:a16="http://schemas.microsoft.com/office/drawing/2014/main" id="{7A3A3E3A-D82B-E56B-2688-87AF98AB8575}"/>
               </a:ext>
             </a:extLst>
           </p:cNvPr>
@@ -446,7 +445,7 @@
           <p:cNvPr id="4" name="Date Placeholder 3">
             <a:extLst>
               <a:ext uri="{FF2B5EF4-FFF2-40B4-BE49-F238E27FC236}">
-                <a16:creationId xmlns:a16="http://schemas.microsoft.com/office/drawing/2014/main" id="{B59E3AC5-5595-7700-033C-7DDA005E7EA2}"/>
+                <a16:creationId xmlns:a16="http://schemas.microsoft.com/office/drawing/2014/main" id="{B51BC98E-5B0F-EB69-4032-B0C70ACF7569}"/>
               </a:ext>
             </a:extLst>
           </p:cNvPr>
@@ -462,9 +461,9 @@
           <a:bodyPr/>
           <a:lstStyle/>
           <a:p>
-            <a:fld id="{A6864BA8-64E9-46EA-B469-F14C9DD481C5}" type="datetimeFigureOut">
+            <a:fld id="{77055D6E-4CBA-4A21-A9FA-F81E69B5082E}" type="datetimeFigureOut">
               <a:rPr lang="en-US" smtClean="0"/>
-              <a:t>4/20/2024</a:t>
+              <a:t>5/15/2024</a:t>
             </a:fld>
             <a:endParaRPr lang="en-US"/>
           </a:p>
@@ -475,7 +474,7 @@
           <p:cNvPr id="5" name="Footer Placeholder 4">
             <a:extLst>
               <a:ext uri="{FF2B5EF4-FFF2-40B4-BE49-F238E27FC236}">
-                <a16:creationId xmlns:a16="http://schemas.microsoft.com/office/drawing/2014/main" id="{06C8E39F-56A1-E5BA-A85A-23BCCC844D0F}"/>
+                <a16:creationId xmlns:a16="http://schemas.microsoft.com/office/drawing/2014/main" id="{0B5A6FB9-A32A-9FAB-48F0-BFC4E50752EA}"/>
               </a:ext>
             </a:extLst>
           </p:cNvPr>
@@ -500,7 +499,7 @@
           <p:cNvPr id="6" name="Slide Number Placeholder 5">
             <a:extLst>
               <a:ext uri="{FF2B5EF4-FFF2-40B4-BE49-F238E27FC236}">
-                <a16:creationId xmlns:a16="http://schemas.microsoft.com/office/drawing/2014/main" id="{A4508B45-21BC-5F62-1A41-7E66A277D38A}"/>
+                <a16:creationId xmlns:a16="http://schemas.microsoft.com/office/drawing/2014/main" id="{59CD07A0-E3DF-0D73-85A9-18A2A0110C98}"/>
               </a:ext>
             </a:extLst>
           </p:cNvPr>
@@ -516,7 +515,7 @@
           <a:bodyPr/>
           <a:lstStyle/>
           <a:p>
-            <a:fld id="{4C5EA4E6-93AE-49A7-B53C-0737C2D46FC9}" type="slidenum">
+            <a:fld id="{86DEE8B4-EDA9-4555-B0E8-6C7FC2CEA212}" type="slidenum">
               <a:rPr lang="en-US" smtClean="0"/>
               <a:t>‹#›</a:t>
             </a:fld>
@@ -527,7 +526,7 @@
     </p:spTree>
     <p:extLst>
       <p:ext uri="{BB962C8B-B14F-4D97-AF65-F5344CB8AC3E}">
-        <p14:creationId xmlns:p14="http://schemas.microsoft.com/office/powerpoint/2010/main" val="1244967103"/>
+        <p14:creationId xmlns:p14="http://schemas.microsoft.com/office/powerpoint/2010/main" val="3788557529"/>
       </p:ext>
     </p:extLst>
   </p:cSld>
@@ -559,7 +558,7 @@
           <p:cNvPr id="2" name="Vertical Title 1">
             <a:extLst>
               <a:ext uri="{FF2B5EF4-FFF2-40B4-BE49-F238E27FC236}">
-                <a16:creationId xmlns:a16="http://schemas.microsoft.com/office/drawing/2014/main" id="{0600DB41-C699-AE90-0347-295A57F156E1}"/>
+                <a16:creationId xmlns:a16="http://schemas.microsoft.com/office/drawing/2014/main" id="{9FD0A275-C8EA-20B3-B642-BCC9C7F3E650}"/>
               </a:ext>
             </a:extLst>
           </p:cNvPr>
@@ -592,7 +591,7 @@
           <p:cNvPr id="3" name="Vertical Text Placeholder 2">
             <a:extLst>
               <a:ext uri="{FF2B5EF4-FFF2-40B4-BE49-F238E27FC236}">
-                <a16:creationId xmlns:a16="http://schemas.microsoft.com/office/drawing/2014/main" id="{B8B13A78-F525-3304-2DA1-124103491622}"/>
+                <a16:creationId xmlns:a16="http://schemas.microsoft.com/office/drawing/2014/main" id="{684921A6-D9B0-62F6-ACBD-6C9F6C44AA65}"/>
               </a:ext>
             </a:extLst>
           </p:cNvPr>
@@ -654,7 +653,7 @@
           <p:cNvPr id="4" name="Date Placeholder 3">
             <a:extLst>
               <a:ext uri="{FF2B5EF4-FFF2-40B4-BE49-F238E27FC236}">
-                <a16:creationId xmlns:a16="http://schemas.microsoft.com/office/drawing/2014/main" id="{F4FEF8BC-49A3-E8A7-6CCF-4A8E1DC85582}"/>
+                <a16:creationId xmlns:a16="http://schemas.microsoft.com/office/drawing/2014/main" id="{C5F5BF4B-E3C5-3A59-A2B9-69A33984CDDD}"/>
               </a:ext>
             </a:extLst>
           </p:cNvPr>
@@ -670,9 +669,9 @@
           <a:bodyPr/>
           <a:lstStyle/>
           <a:p>
-            <a:fld id="{A6864BA8-64E9-46EA-B469-F14C9DD481C5}" type="datetimeFigureOut">
+            <a:fld id="{77055D6E-4CBA-4A21-A9FA-F81E69B5082E}" type="datetimeFigureOut">
               <a:rPr lang="en-US" smtClean="0"/>
-              <a:t>4/20/2024</a:t>
+              <a:t>5/15/2024</a:t>
             </a:fld>
             <a:endParaRPr lang="en-US"/>
           </a:p>
@@ -683,7 +682,7 @@
           <p:cNvPr id="5" name="Footer Placeholder 4">
             <a:extLst>
               <a:ext uri="{FF2B5EF4-FFF2-40B4-BE49-F238E27FC236}">
-                <a16:creationId xmlns:a16="http://schemas.microsoft.com/office/drawing/2014/main" id="{A03B7A93-C25A-FDCC-A689-16D0ED5FB14F}"/>
+                <a16:creationId xmlns:a16="http://schemas.microsoft.com/office/drawing/2014/main" id="{873197E6-AE6B-8FFE-40B9-89EABA05107C}"/>
               </a:ext>
             </a:extLst>
           </p:cNvPr>
@@ -708,7 +707,7 @@
           <p:cNvPr id="6" name="Slide Number Placeholder 5">
             <a:extLst>
               <a:ext uri="{FF2B5EF4-FFF2-40B4-BE49-F238E27FC236}">
-                <a16:creationId xmlns:a16="http://schemas.microsoft.com/office/drawing/2014/main" id="{06D30C3B-D08B-9825-9150-4D42A407EF59}"/>
+                <a16:creationId xmlns:a16="http://schemas.microsoft.com/office/drawing/2014/main" id="{39AE119F-519C-BEBB-6785-DB0EE440EDB9}"/>
               </a:ext>
             </a:extLst>
           </p:cNvPr>
@@ -724,7 +723,7 @@
           <a:bodyPr/>
           <a:lstStyle/>
           <a:p>
-            <a:fld id="{4C5EA4E6-93AE-49A7-B53C-0737C2D46FC9}" type="slidenum">
+            <a:fld id="{86DEE8B4-EDA9-4555-B0E8-6C7FC2CEA212}" type="slidenum">
               <a:rPr lang="en-US" smtClean="0"/>
               <a:t>‹#›</a:t>
             </a:fld>
@@ -735,7 +734,7 @@
     </p:spTree>
     <p:extLst>
       <p:ext uri="{BB962C8B-B14F-4D97-AF65-F5344CB8AC3E}">
-        <p14:creationId xmlns:p14="http://schemas.microsoft.com/office/powerpoint/2010/main" val="3791024583"/>
+        <p14:creationId xmlns:p14="http://schemas.microsoft.com/office/powerpoint/2010/main" val="2121847572"/>
       </p:ext>
     </p:extLst>
   </p:cSld>
@@ -767,7 +766,7 @@
           <p:cNvPr id="2" name="Title 1">
             <a:extLst>
               <a:ext uri="{FF2B5EF4-FFF2-40B4-BE49-F238E27FC236}">
-                <a16:creationId xmlns:a16="http://schemas.microsoft.com/office/drawing/2014/main" id="{82D91F6D-FF6A-8D5C-D2E9-90D29F04F0E3}"/>
+                <a16:creationId xmlns:a16="http://schemas.microsoft.com/office/drawing/2014/main" id="{242EC769-B2BC-CBEC-756F-23FC4C008ADA}"/>
               </a:ext>
             </a:extLst>
           </p:cNvPr>
@@ -795,7 +794,7 @@
           <p:cNvPr id="3" name="Content Placeholder 2">
             <a:extLst>
               <a:ext uri="{FF2B5EF4-FFF2-40B4-BE49-F238E27FC236}">
-                <a16:creationId xmlns:a16="http://schemas.microsoft.com/office/drawing/2014/main" id="{A760E0C0-87D9-1B5D-97A4-C1876DB2BDA6}"/>
+                <a16:creationId xmlns:a16="http://schemas.microsoft.com/office/drawing/2014/main" id="{26830FDA-BB9B-C181-AC6F-5E18DC7E97DE}"/>
               </a:ext>
             </a:extLst>
           </p:cNvPr>
@@ -852,7 +851,7 @@
           <p:cNvPr id="4" name="Date Placeholder 3">
             <a:extLst>
               <a:ext uri="{FF2B5EF4-FFF2-40B4-BE49-F238E27FC236}">
-                <a16:creationId xmlns:a16="http://schemas.microsoft.com/office/drawing/2014/main" id="{503ECAB4-CAD4-E9E0-8F42-0439227DD67A}"/>
+                <a16:creationId xmlns:a16="http://schemas.microsoft.com/office/drawing/2014/main" id="{BB300D35-70F1-4FF7-A64D-15E251C3756C}"/>
               </a:ext>
             </a:extLst>
           </p:cNvPr>
@@ -868,9 +867,9 @@
           <a:bodyPr/>
           <a:lstStyle/>
           <a:p>
-            <a:fld id="{A6864BA8-64E9-46EA-B469-F14C9DD481C5}" type="datetimeFigureOut">
+            <a:fld id="{77055D6E-4CBA-4A21-A9FA-F81E69B5082E}" type="datetimeFigureOut">
               <a:rPr lang="en-US" smtClean="0"/>
-              <a:t>4/20/2024</a:t>
+              <a:t>5/15/2024</a:t>
             </a:fld>
             <a:endParaRPr lang="en-US"/>
           </a:p>
@@ -881,7 +880,7 @@
           <p:cNvPr id="5" name="Footer Placeholder 4">
             <a:extLst>
               <a:ext uri="{FF2B5EF4-FFF2-40B4-BE49-F238E27FC236}">
-                <a16:creationId xmlns:a16="http://schemas.microsoft.com/office/drawing/2014/main" id="{0DC8C2D0-CA3A-22FE-1FF7-FB5EB4ED3DDF}"/>
+                <a16:creationId xmlns:a16="http://schemas.microsoft.com/office/drawing/2014/main" id="{7861FF0E-544C-4A11-4E0F-28C9C8063436}"/>
               </a:ext>
             </a:extLst>
           </p:cNvPr>
@@ -906,7 +905,7 @@
           <p:cNvPr id="6" name="Slide Number Placeholder 5">
             <a:extLst>
               <a:ext uri="{FF2B5EF4-FFF2-40B4-BE49-F238E27FC236}">
-                <a16:creationId xmlns:a16="http://schemas.microsoft.com/office/drawing/2014/main" id="{7564D883-7501-CB17-F4A6-0DAC4049297A}"/>
+                <a16:creationId xmlns:a16="http://schemas.microsoft.com/office/drawing/2014/main" id="{8827A20A-FE10-60CB-A729-FD4AF13933C3}"/>
               </a:ext>
             </a:extLst>
           </p:cNvPr>
@@ -922,7 +921,7 @@
           <a:bodyPr/>
           <a:lstStyle/>
           <a:p>
-            <a:fld id="{4C5EA4E6-93AE-49A7-B53C-0737C2D46FC9}" type="slidenum">
+            <a:fld id="{86DEE8B4-EDA9-4555-B0E8-6C7FC2CEA212}" type="slidenum">
               <a:rPr lang="en-US" smtClean="0"/>
               <a:t>‹#›</a:t>
             </a:fld>
@@ -933,7 +932,7 @@
     </p:spTree>
     <p:extLst>
       <p:ext uri="{BB962C8B-B14F-4D97-AF65-F5344CB8AC3E}">
-        <p14:creationId xmlns:p14="http://schemas.microsoft.com/office/powerpoint/2010/main" val="3267093046"/>
+        <p14:creationId xmlns:p14="http://schemas.microsoft.com/office/powerpoint/2010/main" val="3022312842"/>
       </p:ext>
     </p:extLst>
   </p:cSld>
@@ -965,7 +964,7 @@
           <p:cNvPr id="2" name="Title 1">
             <a:extLst>
               <a:ext uri="{FF2B5EF4-FFF2-40B4-BE49-F238E27FC236}">
-                <a16:creationId xmlns:a16="http://schemas.microsoft.com/office/drawing/2014/main" id="{35FF1ADD-17DB-50B9-69EA-EA625D8CCE4F}"/>
+                <a16:creationId xmlns:a16="http://schemas.microsoft.com/office/drawing/2014/main" id="{8A325BBA-4642-CB4E-C964-512C27C10440}"/>
               </a:ext>
             </a:extLst>
           </p:cNvPr>
@@ -1002,7 +1001,7 @@
           <p:cNvPr id="3" name="Text Placeholder 2">
             <a:extLst>
               <a:ext uri="{FF2B5EF4-FFF2-40B4-BE49-F238E27FC236}">
-                <a16:creationId xmlns:a16="http://schemas.microsoft.com/office/drawing/2014/main" id="{1C5A830E-7D50-55CA-73F7-F76A5B9C7DF3}"/>
+                <a16:creationId xmlns:a16="http://schemas.microsoft.com/office/drawing/2014/main" id="{699459F7-BB3C-6248-1952-106A3149BDBB}"/>
               </a:ext>
             </a:extLst>
           </p:cNvPr>
@@ -1127,7 +1126,7 @@
           <p:cNvPr id="4" name="Date Placeholder 3">
             <a:extLst>
               <a:ext uri="{FF2B5EF4-FFF2-40B4-BE49-F238E27FC236}">
-                <a16:creationId xmlns:a16="http://schemas.microsoft.com/office/drawing/2014/main" id="{D237D5A1-44CB-7D7E-7F08-57835033EECC}"/>
+                <a16:creationId xmlns:a16="http://schemas.microsoft.com/office/drawing/2014/main" id="{DFD6572F-922A-1F8B-8984-5CBDBD0027CA}"/>
               </a:ext>
             </a:extLst>
           </p:cNvPr>
@@ -1143,9 +1142,9 @@
           <a:bodyPr/>
           <a:lstStyle/>
           <a:p>
-            <a:fld id="{A6864BA8-64E9-46EA-B469-F14C9DD481C5}" type="datetimeFigureOut">
+            <a:fld id="{77055D6E-4CBA-4A21-A9FA-F81E69B5082E}" type="datetimeFigureOut">
               <a:rPr lang="en-US" smtClean="0"/>
-              <a:t>4/20/2024</a:t>
+              <a:t>5/15/2024</a:t>
             </a:fld>
             <a:endParaRPr lang="en-US"/>
           </a:p>
@@ -1156,7 +1155,7 @@
           <p:cNvPr id="5" name="Footer Placeholder 4">
             <a:extLst>
               <a:ext uri="{FF2B5EF4-FFF2-40B4-BE49-F238E27FC236}">
-                <a16:creationId xmlns:a16="http://schemas.microsoft.com/office/drawing/2014/main" id="{57C708D0-9A8C-37E0-3C51-6CFEB520A10E}"/>
+                <a16:creationId xmlns:a16="http://schemas.microsoft.com/office/drawing/2014/main" id="{15BF8DE6-0592-D071-D407-BD2601CDDA7F}"/>
               </a:ext>
             </a:extLst>
           </p:cNvPr>
@@ -1181,7 +1180,7 @@
           <p:cNvPr id="6" name="Slide Number Placeholder 5">
             <a:extLst>
               <a:ext uri="{FF2B5EF4-FFF2-40B4-BE49-F238E27FC236}">
-                <a16:creationId xmlns:a16="http://schemas.microsoft.com/office/drawing/2014/main" id="{DC2A6CAA-F30E-BC72-5D3B-9BC5123DC998}"/>
+                <a16:creationId xmlns:a16="http://schemas.microsoft.com/office/drawing/2014/main" id="{8EAB9127-A56A-ED74-DBE0-8D3F2F7974BF}"/>
               </a:ext>
             </a:extLst>
           </p:cNvPr>
@@ -1197,7 +1196,7 @@
           <a:bodyPr/>
           <a:lstStyle/>
           <a:p>
-            <a:fld id="{4C5EA4E6-93AE-49A7-B53C-0737C2D46FC9}" type="slidenum">
+            <a:fld id="{86DEE8B4-EDA9-4555-B0E8-6C7FC2CEA212}" type="slidenum">
               <a:rPr lang="en-US" smtClean="0"/>
               <a:t>‹#›</a:t>
             </a:fld>
@@ -1208,7 +1207,7 @@
     </p:spTree>
     <p:extLst>
       <p:ext uri="{BB962C8B-B14F-4D97-AF65-F5344CB8AC3E}">
-        <p14:creationId xmlns:p14="http://schemas.microsoft.com/office/powerpoint/2010/main" val="78540583"/>
+        <p14:creationId xmlns:p14="http://schemas.microsoft.com/office/powerpoint/2010/main" val="1495717546"/>
       </p:ext>
     </p:extLst>
   </p:cSld>
@@ -1240,7 +1239,7 @@
           <p:cNvPr id="2" name="Title 1">
             <a:extLst>
               <a:ext uri="{FF2B5EF4-FFF2-40B4-BE49-F238E27FC236}">
-                <a16:creationId xmlns:a16="http://schemas.microsoft.com/office/drawing/2014/main" id="{F5204B1C-E2EC-5D37-EE99-CE56234E2A03}"/>
+                <a16:creationId xmlns:a16="http://schemas.microsoft.com/office/drawing/2014/main" id="{C6D7BDEB-935D-98D3-364C-9E8E49B03F92}"/>
               </a:ext>
             </a:extLst>
           </p:cNvPr>
@@ -1268,7 +1267,7 @@
           <p:cNvPr id="3" name="Content Placeholder 2">
             <a:extLst>
               <a:ext uri="{FF2B5EF4-FFF2-40B4-BE49-F238E27FC236}">
-                <a16:creationId xmlns:a16="http://schemas.microsoft.com/office/drawing/2014/main" id="{508A5493-85EA-4834-0474-044BEE68E00D}"/>
+                <a16:creationId xmlns:a16="http://schemas.microsoft.com/office/drawing/2014/main" id="{F6434EDC-2A36-1590-FC6D-F27D446C47F6}"/>
               </a:ext>
             </a:extLst>
           </p:cNvPr>
@@ -1330,7 +1329,7 @@
           <p:cNvPr id="4" name="Content Placeholder 3">
             <a:extLst>
               <a:ext uri="{FF2B5EF4-FFF2-40B4-BE49-F238E27FC236}">
-                <a16:creationId xmlns:a16="http://schemas.microsoft.com/office/drawing/2014/main" id="{89D50FC1-4D38-49D7-6FFB-7E753A6EF49E}"/>
+                <a16:creationId xmlns:a16="http://schemas.microsoft.com/office/drawing/2014/main" id="{98022903-1F97-9EBB-FAD4-9A56A07CB807}"/>
               </a:ext>
             </a:extLst>
           </p:cNvPr>
@@ -1392,7 +1391,7 @@
           <p:cNvPr id="5" name="Date Placeholder 4">
             <a:extLst>
               <a:ext uri="{FF2B5EF4-FFF2-40B4-BE49-F238E27FC236}">
-                <a16:creationId xmlns:a16="http://schemas.microsoft.com/office/drawing/2014/main" id="{949C3644-34DB-AE3C-C1C8-FA721456DC9A}"/>
+                <a16:creationId xmlns:a16="http://schemas.microsoft.com/office/drawing/2014/main" id="{6C24657D-16AA-B3CB-9B31-946F91D5CB18}"/>
               </a:ext>
             </a:extLst>
           </p:cNvPr>
@@ -1408,9 +1407,9 @@
           <a:bodyPr/>
           <a:lstStyle/>
           <a:p>
-            <a:fld id="{A6864BA8-64E9-46EA-B469-F14C9DD481C5}" type="datetimeFigureOut">
+            <a:fld id="{77055D6E-4CBA-4A21-A9FA-F81E69B5082E}" type="datetimeFigureOut">
               <a:rPr lang="en-US" smtClean="0"/>
-              <a:t>4/20/2024</a:t>
+              <a:t>5/15/2024</a:t>
             </a:fld>
             <a:endParaRPr lang="en-US"/>
           </a:p>
@@ -1421,7 +1420,7 @@
           <p:cNvPr id="6" name="Footer Placeholder 5">
             <a:extLst>
               <a:ext uri="{FF2B5EF4-FFF2-40B4-BE49-F238E27FC236}">
-                <a16:creationId xmlns:a16="http://schemas.microsoft.com/office/drawing/2014/main" id="{B9D60F82-4E87-A190-B5B7-251112EFA78A}"/>
+                <a16:creationId xmlns:a16="http://schemas.microsoft.com/office/drawing/2014/main" id="{6DAAAB8E-E33B-BAF4-641B-C77E37B5B234}"/>
               </a:ext>
             </a:extLst>
           </p:cNvPr>
@@ -1446,7 +1445,7 @@
           <p:cNvPr id="7" name="Slide Number Placeholder 6">
             <a:extLst>
               <a:ext uri="{FF2B5EF4-FFF2-40B4-BE49-F238E27FC236}">
-                <a16:creationId xmlns:a16="http://schemas.microsoft.com/office/drawing/2014/main" id="{13D8E335-030B-9AE2-CA9A-B3D91852C417}"/>
+                <a16:creationId xmlns:a16="http://schemas.microsoft.com/office/drawing/2014/main" id="{A8ECDAAF-DB61-2E2C-E670-6185C3350DD5}"/>
               </a:ext>
             </a:extLst>
           </p:cNvPr>
@@ -1462,7 +1461,7 @@
           <a:bodyPr/>
           <a:lstStyle/>
           <a:p>
-            <a:fld id="{4C5EA4E6-93AE-49A7-B53C-0737C2D46FC9}" type="slidenum">
+            <a:fld id="{86DEE8B4-EDA9-4555-B0E8-6C7FC2CEA212}" type="slidenum">
               <a:rPr lang="en-US" smtClean="0"/>
               <a:t>‹#›</a:t>
             </a:fld>
@@ -1473,7 +1472,7 @@
     </p:spTree>
     <p:extLst>
       <p:ext uri="{BB962C8B-B14F-4D97-AF65-F5344CB8AC3E}">
-        <p14:creationId xmlns:p14="http://schemas.microsoft.com/office/powerpoint/2010/main" val="3716177708"/>
+        <p14:creationId xmlns:p14="http://schemas.microsoft.com/office/powerpoint/2010/main" val="3741984791"/>
       </p:ext>
     </p:extLst>
   </p:cSld>
@@ -1505,7 +1504,7 @@
           <p:cNvPr id="2" name="Title 1">
             <a:extLst>
               <a:ext uri="{FF2B5EF4-FFF2-40B4-BE49-F238E27FC236}">
-                <a16:creationId xmlns:a16="http://schemas.microsoft.com/office/drawing/2014/main" id="{EB3D6407-FD8D-B064-3EC1-992F3ACBAC15}"/>
+                <a16:creationId xmlns:a16="http://schemas.microsoft.com/office/drawing/2014/main" id="{D6DE8FDF-E6E6-D827-085B-DBB33BBB0FED}"/>
               </a:ext>
             </a:extLst>
           </p:cNvPr>
@@ -1538,7 +1537,7 @@
           <p:cNvPr id="3" name="Text Placeholder 2">
             <a:extLst>
               <a:ext uri="{FF2B5EF4-FFF2-40B4-BE49-F238E27FC236}">
-                <a16:creationId xmlns:a16="http://schemas.microsoft.com/office/drawing/2014/main" id="{AD2901A5-4948-499C-49CA-73258DF5F509}"/>
+                <a16:creationId xmlns:a16="http://schemas.microsoft.com/office/drawing/2014/main" id="{97336590-D022-3EF9-72F5-2F532EADCA34}"/>
               </a:ext>
             </a:extLst>
           </p:cNvPr>
@@ -1609,7 +1608,7 @@
           <p:cNvPr id="4" name="Content Placeholder 3">
             <a:extLst>
               <a:ext uri="{FF2B5EF4-FFF2-40B4-BE49-F238E27FC236}">
-                <a16:creationId xmlns:a16="http://schemas.microsoft.com/office/drawing/2014/main" id="{9F8FDFDA-5C09-EC2A-18D0-BEEADDCD1E47}"/>
+                <a16:creationId xmlns:a16="http://schemas.microsoft.com/office/drawing/2014/main" id="{A80CF9F7-97FB-F43A-F17D-92E38BE9D5D3}"/>
               </a:ext>
             </a:extLst>
           </p:cNvPr>
@@ -1671,7 +1670,7 @@
           <p:cNvPr id="5" name="Text Placeholder 4">
             <a:extLst>
               <a:ext uri="{FF2B5EF4-FFF2-40B4-BE49-F238E27FC236}">
-                <a16:creationId xmlns:a16="http://schemas.microsoft.com/office/drawing/2014/main" id="{DA935F3E-597C-DBB9-EE4C-80CA99DC4522}"/>
+                <a16:creationId xmlns:a16="http://schemas.microsoft.com/office/drawing/2014/main" id="{98F0CB4D-E18F-46A1-1F31-76868419B9DE}"/>
               </a:ext>
             </a:extLst>
           </p:cNvPr>
@@ -1742,7 +1741,7 @@
           <p:cNvPr id="6" name="Content Placeholder 5">
             <a:extLst>
               <a:ext uri="{FF2B5EF4-FFF2-40B4-BE49-F238E27FC236}">
-                <a16:creationId xmlns:a16="http://schemas.microsoft.com/office/drawing/2014/main" id="{E5DE02A0-8881-7783-5A58-1ED484B71DD5}"/>
+                <a16:creationId xmlns:a16="http://schemas.microsoft.com/office/drawing/2014/main" id="{2EA9FDAF-5EBD-112C-685E-5909017E4CC4}"/>
               </a:ext>
             </a:extLst>
           </p:cNvPr>
@@ -1804,7 +1803,7 @@
           <p:cNvPr id="7" name="Date Placeholder 6">
             <a:extLst>
               <a:ext uri="{FF2B5EF4-FFF2-40B4-BE49-F238E27FC236}">
-                <a16:creationId xmlns:a16="http://schemas.microsoft.com/office/drawing/2014/main" id="{B088C51B-73A6-C891-8BA2-394F009AD992}"/>
+                <a16:creationId xmlns:a16="http://schemas.microsoft.com/office/drawing/2014/main" id="{AADC4F4F-10FD-88FF-6DAE-AB5E8B7998DB}"/>
               </a:ext>
             </a:extLst>
           </p:cNvPr>
@@ -1820,9 +1819,9 @@
           <a:bodyPr/>
           <a:lstStyle/>
           <a:p>
-            <a:fld id="{A6864BA8-64E9-46EA-B469-F14C9DD481C5}" type="datetimeFigureOut">
+            <a:fld id="{77055D6E-4CBA-4A21-A9FA-F81E69B5082E}" type="datetimeFigureOut">
               <a:rPr lang="en-US" smtClean="0"/>
-              <a:t>4/20/2024</a:t>
+              <a:t>5/15/2024</a:t>
             </a:fld>
             <a:endParaRPr lang="en-US"/>
           </a:p>
@@ -1833,7 +1832,7 @@
           <p:cNvPr id="8" name="Footer Placeholder 7">
             <a:extLst>
               <a:ext uri="{FF2B5EF4-FFF2-40B4-BE49-F238E27FC236}">
-                <a16:creationId xmlns:a16="http://schemas.microsoft.com/office/drawing/2014/main" id="{B2D23BFA-3304-70B2-4EAD-7276F9AC19B8}"/>
+                <a16:creationId xmlns:a16="http://schemas.microsoft.com/office/drawing/2014/main" id="{47D781B2-A287-F420-831E-DF8C87AA2D51}"/>
               </a:ext>
             </a:extLst>
           </p:cNvPr>
@@ -1858,7 +1857,7 @@
           <p:cNvPr id="9" name="Slide Number Placeholder 8">
             <a:extLst>
               <a:ext uri="{FF2B5EF4-FFF2-40B4-BE49-F238E27FC236}">
-                <a16:creationId xmlns:a16="http://schemas.microsoft.com/office/drawing/2014/main" id="{A0299759-B3C4-93C3-941F-4B8BF4F97B77}"/>
+                <a16:creationId xmlns:a16="http://schemas.microsoft.com/office/drawing/2014/main" id="{A6C2E474-ADFE-7A23-56EE-593A9235B79A}"/>
               </a:ext>
             </a:extLst>
           </p:cNvPr>
@@ -1874,7 +1873,7 @@
           <a:bodyPr/>
           <a:lstStyle/>
           <a:p>
-            <a:fld id="{4C5EA4E6-93AE-49A7-B53C-0737C2D46FC9}" type="slidenum">
+            <a:fld id="{86DEE8B4-EDA9-4555-B0E8-6C7FC2CEA212}" type="slidenum">
               <a:rPr lang="en-US" smtClean="0"/>
               <a:t>‹#›</a:t>
             </a:fld>
@@ -1885,7 +1884,7 @@
     </p:spTree>
     <p:extLst>
       <p:ext uri="{BB962C8B-B14F-4D97-AF65-F5344CB8AC3E}">
-        <p14:creationId xmlns:p14="http://schemas.microsoft.com/office/powerpoint/2010/main" val="2278090673"/>
+        <p14:creationId xmlns:p14="http://schemas.microsoft.com/office/powerpoint/2010/main" val="73367519"/>
       </p:ext>
     </p:extLst>
   </p:cSld>
@@ -1917,7 +1916,7 @@
           <p:cNvPr id="2" name="Title 1">
             <a:extLst>
               <a:ext uri="{FF2B5EF4-FFF2-40B4-BE49-F238E27FC236}">
-                <a16:creationId xmlns:a16="http://schemas.microsoft.com/office/drawing/2014/main" id="{FA928029-F751-ACBC-2CD3-C2802249FE8E}"/>
+                <a16:creationId xmlns:a16="http://schemas.microsoft.com/office/drawing/2014/main" id="{A77CB8EF-5F69-53C6-4123-DC2B32E91D4F}"/>
               </a:ext>
             </a:extLst>
           </p:cNvPr>
@@ -1945,7 +1944,7 @@
           <p:cNvPr id="3" name="Date Placeholder 2">
             <a:extLst>
               <a:ext uri="{FF2B5EF4-FFF2-40B4-BE49-F238E27FC236}">
-                <a16:creationId xmlns:a16="http://schemas.microsoft.com/office/drawing/2014/main" id="{1CCFBE06-C3D2-265F-CAA1-22B7ECF695CF}"/>
+                <a16:creationId xmlns:a16="http://schemas.microsoft.com/office/drawing/2014/main" id="{7B54D3DC-A02B-125D-3C1E-45EEA31429D7}"/>
               </a:ext>
             </a:extLst>
           </p:cNvPr>
@@ -1961,9 +1960,9 @@
           <a:bodyPr/>
           <a:lstStyle/>
           <a:p>
-            <a:fld id="{A6864BA8-64E9-46EA-B469-F14C9DD481C5}" type="datetimeFigureOut">
+            <a:fld id="{77055D6E-4CBA-4A21-A9FA-F81E69B5082E}" type="datetimeFigureOut">
               <a:rPr lang="en-US" smtClean="0"/>
-              <a:t>4/20/2024</a:t>
+              <a:t>5/15/2024</a:t>
             </a:fld>
             <a:endParaRPr lang="en-US"/>
           </a:p>
@@ -1974,7 +1973,7 @@
           <p:cNvPr id="4" name="Footer Placeholder 3">
             <a:extLst>
               <a:ext uri="{FF2B5EF4-FFF2-40B4-BE49-F238E27FC236}">
-                <a16:creationId xmlns:a16="http://schemas.microsoft.com/office/drawing/2014/main" id="{680DC3CC-1DD5-2ABC-BCBE-52AF819FB58C}"/>
+                <a16:creationId xmlns:a16="http://schemas.microsoft.com/office/drawing/2014/main" id="{9A80670C-199E-2C47-5B4E-728F13535BD8}"/>
               </a:ext>
             </a:extLst>
           </p:cNvPr>
@@ -1999,7 +1998,7 @@
           <p:cNvPr id="5" name="Slide Number Placeholder 4">
             <a:extLst>
               <a:ext uri="{FF2B5EF4-FFF2-40B4-BE49-F238E27FC236}">
-                <a16:creationId xmlns:a16="http://schemas.microsoft.com/office/drawing/2014/main" id="{4B6871D7-7296-0415-C780-662BA6DE7945}"/>
+                <a16:creationId xmlns:a16="http://schemas.microsoft.com/office/drawing/2014/main" id="{EF03F219-0B70-A60C-F457-864D4ABF0B3A}"/>
               </a:ext>
             </a:extLst>
           </p:cNvPr>
@@ -2015,7 +2014,7 @@
           <a:bodyPr/>
           <a:lstStyle/>
           <a:p>
-            <a:fld id="{4C5EA4E6-93AE-49A7-B53C-0737C2D46FC9}" type="slidenum">
+            <a:fld id="{86DEE8B4-EDA9-4555-B0E8-6C7FC2CEA212}" type="slidenum">
               <a:rPr lang="en-US" smtClean="0"/>
               <a:t>‹#›</a:t>
             </a:fld>
@@ -2026,7 +2025,7 @@
     </p:spTree>
     <p:extLst>
       <p:ext uri="{BB962C8B-B14F-4D97-AF65-F5344CB8AC3E}">
-        <p14:creationId xmlns:p14="http://schemas.microsoft.com/office/powerpoint/2010/main" val="1083570618"/>
+        <p14:creationId xmlns:p14="http://schemas.microsoft.com/office/powerpoint/2010/main" val="1055354509"/>
       </p:ext>
     </p:extLst>
   </p:cSld>
@@ -2058,7 +2057,7 @@
           <p:cNvPr id="2" name="Date Placeholder 1">
             <a:extLst>
               <a:ext uri="{FF2B5EF4-FFF2-40B4-BE49-F238E27FC236}">
-                <a16:creationId xmlns:a16="http://schemas.microsoft.com/office/drawing/2014/main" id="{7306015E-3030-F271-C4BE-6D344D248A33}"/>
+                <a16:creationId xmlns:a16="http://schemas.microsoft.com/office/drawing/2014/main" id="{56F83879-014D-9905-66A0-F34C461FF460}"/>
               </a:ext>
             </a:extLst>
           </p:cNvPr>
@@ -2074,9 +2073,9 @@
           <a:bodyPr/>
           <a:lstStyle/>
           <a:p>
-            <a:fld id="{A6864BA8-64E9-46EA-B469-F14C9DD481C5}" type="datetimeFigureOut">
+            <a:fld id="{77055D6E-4CBA-4A21-A9FA-F81E69B5082E}" type="datetimeFigureOut">
               <a:rPr lang="en-US" smtClean="0"/>
-              <a:t>4/20/2024</a:t>
+              <a:t>5/15/2024</a:t>
             </a:fld>
             <a:endParaRPr lang="en-US"/>
           </a:p>
@@ -2087,7 +2086,7 @@
           <p:cNvPr id="3" name="Footer Placeholder 2">
             <a:extLst>
               <a:ext uri="{FF2B5EF4-FFF2-40B4-BE49-F238E27FC236}">
-                <a16:creationId xmlns:a16="http://schemas.microsoft.com/office/drawing/2014/main" id="{62DBD3F9-00E1-F3E4-42B5-DDE9E2C2640B}"/>
+                <a16:creationId xmlns:a16="http://schemas.microsoft.com/office/drawing/2014/main" id="{CC91034D-3AB8-FF99-9E88-9B6614C0E538}"/>
               </a:ext>
             </a:extLst>
           </p:cNvPr>
@@ -2112,7 +2111,7 @@
           <p:cNvPr id="4" name="Slide Number Placeholder 3">
             <a:extLst>
               <a:ext uri="{FF2B5EF4-FFF2-40B4-BE49-F238E27FC236}">
-                <a16:creationId xmlns:a16="http://schemas.microsoft.com/office/drawing/2014/main" id="{8A21CEEF-5D1E-5983-98FF-2ABB4417CBC8}"/>
+                <a16:creationId xmlns:a16="http://schemas.microsoft.com/office/drawing/2014/main" id="{3ED4C89A-8D71-7484-49DA-431A6CEF28D2}"/>
               </a:ext>
             </a:extLst>
           </p:cNvPr>
@@ -2128,7 +2127,7 @@
           <a:bodyPr/>
           <a:lstStyle/>
           <a:p>
-            <a:fld id="{4C5EA4E6-93AE-49A7-B53C-0737C2D46FC9}" type="slidenum">
+            <a:fld id="{86DEE8B4-EDA9-4555-B0E8-6C7FC2CEA212}" type="slidenum">
               <a:rPr lang="en-US" smtClean="0"/>
               <a:t>‹#›</a:t>
             </a:fld>
@@ -2139,7 +2138,7 @@
     </p:spTree>
     <p:extLst>
       <p:ext uri="{BB962C8B-B14F-4D97-AF65-F5344CB8AC3E}">
-        <p14:creationId xmlns:p14="http://schemas.microsoft.com/office/powerpoint/2010/main" val="2263285728"/>
+        <p14:creationId xmlns:p14="http://schemas.microsoft.com/office/powerpoint/2010/main" val="3401103691"/>
       </p:ext>
     </p:extLst>
   </p:cSld>
@@ -2171,7 +2170,7 @@
           <p:cNvPr id="2" name="Title 1">
             <a:extLst>
               <a:ext uri="{FF2B5EF4-FFF2-40B4-BE49-F238E27FC236}">
-                <a16:creationId xmlns:a16="http://schemas.microsoft.com/office/drawing/2014/main" id="{B4757623-E129-7F67-8F3C-A896F05AED21}"/>
+                <a16:creationId xmlns:a16="http://schemas.microsoft.com/office/drawing/2014/main" id="{FBC22D4D-615F-F7D8-EE80-C608698F9984}"/>
               </a:ext>
             </a:extLst>
           </p:cNvPr>
@@ -2208,7 +2207,7 @@
           <p:cNvPr id="3" name="Content Placeholder 2">
             <a:extLst>
               <a:ext uri="{FF2B5EF4-FFF2-40B4-BE49-F238E27FC236}">
-                <a16:creationId xmlns:a16="http://schemas.microsoft.com/office/drawing/2014/main" id="{CF47E687-7CA8-DA35-81D3-EE93FFB7F71E}"/>
+                <a16:creationId xmlns:a16="http://schemas.microsoft.com/office/drawing/2014/main" id="{575E3EBF-FB41-4A47-29F6-EE151C8A72BA}"/>
               </a:ext>
             </a:extLst>
           </p:cNvPr>
@@ -2298,7 +2297,7 @@
           <p:cNvPr id="4" name="Text Placeholder 3">
             <a:extLst>
               <a:ext uri="{FF2B5EF4-FFF2-40B4-BE49-F238E27FC236}">
-                <a16:creationId xmlns:a16="http://schemas.microsoft.com/office/drawing/2014/main" id="{598CD0D3-9F8F-E4C5-9362-5CF29C137373}"/>
+                <a16:creationId xmlns:a16="http://schemas.microsoft.com/office/drawing/2014/main" id="{361071BF-ED9D-B19C-4834-3BDA5DE7BFD9}"/>
               </a:ext>
             </a:extLst>
           </p:cNvPr>
@@ -2369,7 +2368,7 @@
           <p:cNvPr id="5" name="Date Placeholder 4">
             <a:extLst>
               <a:ext uri="{FF2B5EF4-FFF2-40B4-BE49-F238E27FC236}">
-                <a16:creationId xmlns:a16="http://schemas.microsoft.com/office/drawing/2014/main" id="{CA6099EC-D72A-737C-880C-83A637A542F1}"/>
+                <a16:creationId xmlns:a16="http://schemas.microsoft.com/office/drawing/2014/main" id="{54E52F33-AEE1-6928-1E75-79067FAB0B80}"/>
               </a:ext>
             </a:extLst>
           </p:cNvPr>
@@ -2385,9 +2384,9 @@
           <a:bodyPr/>
           <a:lstStyle/>
           <a:p>
-            <a:fld id="{A6864BA8-64E9-46EA-B469-F14C9DD481C5}" type="datetimeFigureOut">
+            <a:fld id="{77055D6E-4CBA-4A21-A9FA-F81E69B5082E}" type="datetimeFigureOut">
               <a:rPr lang="en-US" smtClean="0"/>
-              <a:t>4/20/2024</a:t>
+              <a:t>5/15/2024</a:t>
             </a:fld>
             <a:endParaRPr lang="en-US"/>
           </a:p>
@@ -2398,7 +2397,7 @@
           <p:cNvPr id="6" name="Footer Placeholder 5">
             <a:extLst>
               <a:ext uri="{FF2B5EF4-FFF2-40B4-BE49-F238E27FC236}">
-                <a16:creationId xmlns:a16="http://schemas.microsoft.com/office/drawing/2014/main" id="{2D083BAF-98BF-FCD1-B9C5-B711F303393B}"/>
+                <a16:creationId xmlns:a16="http://schemas.microsoft.com/office/drawing/2014/main" id="{E26A44A9-FCD4-5F15-F4A6-30ADF3F4A0E0}"/>
               </a:ext>
             </a:extLst>
           </p:cNvPr>
@@ -2423,7 +2422,7 @@
           <p:cNvPr id="7" name="Slide Number Placeholder 6">
             <a:extLst>
               <a:ext uri="{FF2B5EF4-FFF2-40B4-BE49-F238E27FC236}">
-                <a16:creationId xmlns:a16="http://schemas.microsoft.com/office/drawing/2014/main" id="{E9D9C1BA-9820-6F9A-FF29-6045CCEEA3ED}"/>
+                <a16:creationId xmlns:a16="http://schemas.microsoft.com/office/drawing/2014/main" id="{0EB6EAB4-5CE2-D94A-EE55-EE58FE68DF33}"/>
               </a:ext>
             </a:extLst>
           </p:cNvPr>
@@ -2439,7 +2438,7 @@
           <a:bodyPr/>
           <a:lstStyle/>
           <a:p>
-            <a:fld id="{4C5EA4E6-93AE-49A7-B53C-0737C2D46FC9}" type="slidenum">
+            <a:fld id="{86DEE8B4-EDA9-4555-B0E8-6C7FC2CEA212}" type="slidenum">
               <a:rPr lang="en-US" smtClean="0"/>
               <a:t>‹#›</a:t>
             </a:fld>
@@ -2450,7 +2449,7 @@
     </p:spTree>
     <p:extLst>
       <p:ext uri="{BB962C8B-B14F-4D97-AF65-F5344CB8AC3E}">
-        <p14:creationId xmlns:p14="http://schemas.microsoft.com/office/powerpoint/2010/main" val="857040291"/>
+        <p14:creationId xmlns:p14="http://schemas.microsoft.com/office/powerpoint/2010/main" val="3700708883"/>
       </p:ext>
     </p:extLst>
   </p:cSld>
@@ -2482,7 +2481,7 @@
           <p:cNvPr id="2" name="Title 1">
             <a:extLst>
               <a:ext uri="{FF2B5EF4-FFF2-40B4-BE49-F238E27FC236}">
-                <a16:creationId xmlns:a16="http://schemas.microsoft.com/office/drawing/2014/main" id="{B847F40D-2EF0-6B51-769B-F5E95D2EA099}"/>
+                <a16:creationId xmlns:a16="http://schemas.microsoft.com/office/drawing/2014/main" id="{80E8CD1F-FBB1-EB13-0163-0F5680201A67}"/>
               </a:ext>
             </a:extLst>
           </p:cNvPr>
@@ -2519,7 +2518,7 @@
           <p:cNvPr id="3" name="Picture Placeholder 2">
             <a:extLst>
               <a:ext uri="{FF2B5EF4-FFF2-40B4-BE49-F238E27FC236}">
-                <a16:creationId xmlns:a16="http://schemas.microsoft.com/office/drawing/2014/main" id="{94229CDF-8E56-FD2B-A8F8-8F19FF4793D7}"/>
+                <a16:creationId xmlns:a16="http://schemas.microsoft.com/office/drawing/2014/main" id="{A265A8FF-F67B-415E-09EF-E80B01D763A6}"/>
               </a:ext>
             </a:extLst>
           </p:cNvPr>
@@ -2586,7 +2585,7 @@
           <p:cNvPr id="4" name="Text Placeholder 3">
             <a:extLst>
               <a:ext uri="{FF2B5EF4-FFF2-40B4-BE49-F238E27FC236}">
-                <a16:creationId xmlns:a16="http://schemas.microsoft.com/office/drawing/2014/main" id="{A64B8525-B3E0-1CB8-4C37-6B9C48B7D331}"/>
+                <a16:creationId xmlns:a16="http://schemas.microsoft.com/office/drawing/2014/main" id="{5841C5A0-2BAB-A46D-940F-FD23B21ED12F}"/>
               </a:ext>
             </a:extLst>
           </p:cNvPr>
@@ -2657,7 +2656,7 @@
           <p:cNvPr id="5" name="Date Placeholder 4">
             <a:extLst>
               <a:ext uri="{FF2B5EF4-FFF2-40B4-BE49-F238E27FC236}">
-                <a16:creationId xmlns:a16="http://schemas.microsoft.com/office/drawing/2014/main" id="{D492927C-A88D-664C-08F3-2540A7E91A2A}"/>
+                <a16:creationId xmlns:a16="http://schemas.microsoft.com/office/drawing/2014/main" id="{7784A151-04F5-8380-21ED-0026AF87C3FE}"/>
               </a:ext>
             </a:extLst>
           </p:cNvPr>
@@ -2673,9 +2672,9 @@
           <a:bodyPr/>
           <a:lstStyle/>
           <a:p>
-            <a:fld id="{A6864BA8-64E9-46EA-B469-F14C9DD481C5}" type="datetimeFigureOut">
+            <a:fld id="{77055D6E-4CBA-4A21-A9FA-F81E69B5082E}" type="datetimeFigureOut">
               <a:rPr lang="en-US" smtClean="0"/>
-              <a:t>4/20/2024</a:t>
+              <a:t>5/15/2024</a:t>
             </a:fld>
             <a:endParaRPr lang="en-US"/>
           </a:p>
@@ -2686,7 +2685,7 @@
           <p:cNvPr id="6" name="Footer Placeholder 5">
             <a:extLst>
               <a:ext uri="{FF2B5EF4-FFF2-40B4-BE49-F238E27FC236}">
-                <a16:creationId xmlns:a16="http://schemas.microsoft.com/office/drawing/2014/main" id="{9B1CE646-7CB5-E902-A9FA-A9C09DD4FEA5}"/>
+                <a16:creationId xmlns:a16="http://schemas.microsoft.com/office/drawing/2014/main" id="{1FE3BF3B-3EAB-176E-A02D-5EFB3A60BD40}"/>
               </a:ext>
             </a:extLst>
           </p:cNvPr>
@@ -2711,7 +2710,7 @@
           <p:cNvPr id="7" name="Slide Number Placeholder 6">
             <a:extLst>
               <a:ext uri="{FF2B5EF4-FFF2-40B4-BE49-F238E27FC236}">
-                <a16:creationId xmlns:a16="http://schemas.microsoft.com/office/drawing/2014/main" id="{6D9F39A1-1727-E9C5-95E4-1B890FD9738E}"/>
+                <a16:creationId xmlns:a16="http://schemas.microsoft.com/office/drawing/2014/main" id="{50EF8373-8677-15D9-4093-9A92993A0C9F}"/>
               </a:ext>
             </a:extLst>
           </p:cNvPr>
@@ -2727,7 +2726,7 @@
           <a:bodyPr/>
           <a:lstStyle/>
           <a:p>
-            <a:fld id="{4C5EA4E6-93AE-49A7-B53C-0737C2D46FC9}" type="slidenum">
+            <a:fld id="{86DEE8B4-EDA9-4555-B0E8-6C7FC2CEA212}" type="slidenum">
               <a:rPr lang="en-US" smtClean="0"/>
               <a:t>‹#›</a:t>
             </a:fld>
@@ -2738,7 +2737,7 @@
     </p:spTree>
     <p:extLst>
       <p:ext uri="{BB962C8B-B14F-4D97-AF65-F5344CB8AC3E}">
-        <p14:creationId xmlns:p14="http://schemas.microsoft.com/office/powerpoint/2010/main" val="1829468789"/>
+        <p14:creationId xmlns:p14="http://schemas.microsoft.com/office/powerpoint/2010/main" val="3821418044"/>
       </p:ext>
     </p:extLst>
   </p:cSld>
@@ -2775,7 +2774,7 @@
           <p:cNvPr id="2" name="Title Placeholder 1">
             <a:extLst>
               <a:ext uri="{FF2B5EF4-FFF2-40B4-BE49-F238E27FC236}">
-                <a16:creationId xmlns:a16="http://schemas.microsoft.com/office/drawing/2014/main" id="{5B7CB4E4-F719-4DCB-F5C6-CBF9E8147F69}"/>
+                <a16:creationId xmlns:a16="http://schemas.microsoft.com/office/drawing/2014/main" id="{606D2842-A427-57CA-D47C-4D6A463C570F}"/>
               </a:ext>
             </a:extLst>
           </p:cNvPr>
@@ -2813,7 +2812,7 @@
           <p:cNvPr id="3" name="Text Placeholder 2">
             <a:extLst>
               <a:ext uri="{FF2B5EF4-FFF2-40B4-BE49-F238E27FC236}">
-                <a16:creationId xmlns:a16="http://schemas.microsoft.com/office/drawing/2014/main" id="{FFE38FBF-39C5-C87E-E05E-6E4A726D6690}"/>
+                <a16:creationId xmlns:a16="http://schemas.microsoft.com/office/drawing/2014/main" id="{DF7ED5EA-09A5-54CC-AFDC-7B221CAE471D}"/>
               </a:ext>
             </a:extLst>
           </p:cNvPr>
@@ -2880,7 +2879,7 @@
           <p:cNvPr id="4" name="Date Placeholder 3">
             <a:extLst>
               <a:ext uri="{FF2B5EF4-FFF2-40B4-BE49-F238E27FC236}">
-                <a16:creationId xmlns:a16="http://schemas.microsoft.com/office/drawing/2014/main" id="{35896BDA-8D01-DEE1-9A19-11DE36FBDF9D}"/>
+                <a16:creationId xmlns:a16="http://schemas.microsoft.com/office/drawing/2014/main" id="{46B945E5-6ED0-FA96-D38E-44B61FBD8C38}"/>
               </a:ext>
             </a:extLst>
           </p:cNvPr>
@@ -2914,9 +2913,9 @@
             </a:lvl1pPr>
           </a:lstStyle>
           <a:p>
-            <a:fld id="{A6864BA8-64E9-46EA-B469-F14C9DD481C5}" type="datetimeFigureOut">
+            <a:fld id="{77055D6E-4CBA-4A21-A9FA-F81E69B5082E}" type="datetimeFigureOut">
               <a:rPr lang="en-US" smtClean="0"/>
-              <a:t>4/20/2024</a:t>
+              <a:t>5/15/2024</a:t>
             </a:fld>
             <a:endParaRPr lang="en-US"/>
           </a:p>
@@ -2927,7 +2926,7 @@
           <p:cNvPr id="5" name="Footer Placeholder 4">
             <a:extLst>
               <a:ext uri="{FF2B5EF4-FFF2-40B4-BE49-F238E27FC236}">
-                <a16:creationId xmlns:a16="http://schemas.microsoft.com/office/drawing/2014/main" id="{C2A7D952-7A06-1236-B399-4BA45873F22B}"/>
+                <a16:creationId xmlns:a16="http://schemas.microsoft.com/office/drawing/2014/main" id="{893D5800-98E3-FF97-E214-94BB2199B224}"/>
               </a:ext>
             </a:extLst>
           </p:cNvPr>
@@ -2970,7 +2969,7 @@
           <p:cNvPr id="6" name="Slide Number Placeholder 5">
             <a:extLst>
               <a:ext uri="{FF2B5EF4-FFF2-40B4-BE49-F238E27FC236}">
-                <a16:creationId xmlns:a16="http://schemas.microsoft.com/office/drawing/2014/main" id="{EA7F421B-BF19-611B-4970-17A84192FEB4}"/>
+                <a16:creationId xmlns:a16="http://schemas.microsoft.com/office/drawing/2014/main" id="{566C823B-99D3-812A-B4BB-DBCEED86CB54}"/>
               </a:ext>
             </a:extLst>
           </p:cNvPr>
@@ -3004,7 +3003,7 @@
             </a:lvl1pPr>
           </a:lstStyle>
           <a:p>
-            <a:fld id="{4C5EA4E6-93AE-49A7-B53C-0737C2D46FC9}" type="slidenum">
+            <a:fld id="{86DEE8B4-EDA9-4555-B0E8-6C7FC2CEA212}" type="slidenum">
               <a:rPr lang="en-US" smtClean="0"/>
               <a:t>‹#›</a:t>
             </a:fld>
@@ -3015,7 +3014,7 @@
     </p:spTree>
     <p:extLst>
       <p:ext uri="{BB962C8B-B14F-4D97-AF65-F5344CB8AC3E}">
-        <p14:creationId xmlns:p14="http://schemas.microsoft.com/office/powerpoint/2010/main" val="3345494512"/>
+        <p14:creationId xmlns:p14="http://schemas.microsoft.com/office/powerpoint/2010/main" val="1895455310"/>
       </p:ext>
     </p:extLst>
   </p:cSld>
@@ -3538,6 +3537,40 @@
           <a:lstStyle/>
           <a:p>
             <a:r>
+              <a:rPr lang="th-TH" dirty="0">
+                <a:latin typeface="TH SarabunPSK" panose="020B0500040200020003" pitchFamily="34" charset="-34"/>
+                <a:cs typeface="TH SarabunPSK" panose="020B0500040200020003" pitchFamily="34" charset="-34"/>
+              </a:rPr>
+              <a:t>บทที่ 5 การเตรียมข้อมูลสำหรับการแสดงผล 2 </a:t>
+            </a:r>
+            <a:r>
+              <a:rPr lang="en-US" dirty="0">
+                <a:latin typeface="TH SarabunPSK" panose="020B0500040200020003" pitchFamily="34" charset="-34"/>
+                <a:cs typeface="TH SarabunPSK" panose="020B0500040200020003" pitchFamily="34" charset="-34"/>
+              </a:rPr>
+              <a:t>(</a:t>
+            </a:r>
+            <a:r>
+              <a:rPr lang="th-TH" dirty="0">
+                <a:latin typeface="TH SarabunPSK" panose="020B0500040200020003" pitchFamily="34" charset="-34"/>
+                <a:cs typeface="TH SarabunPSK" panose="020B0500040200020003" pitchFamily="34" charset="-34"/>
+              </a:rPr>
+              <a:t>ต่อ</a:t>
+            </a:r>
+            <a:r>
+              <a:rPr lang="en-US" dirty="0">
+                <a:latin typeface="TH SarabunPSK" panose="020B0500040200020003" pitchFamily="34" charset="-34"/>
+                <a:cs typeface="TH SarabunPSK" panose="020B0500040200020003" pitchFamily="34" charset="-34"/>
+              </a:rPr>
+              <a:t>)</a:t>
+            </a:r>
+            <a:endParaRPr lang="th-TH" dirty="0">
+              <a:latin typeface="TH SarabunPSK" panose="020B0500040200020003" pitchFamily="34" charset="-34"/>
+              <a:cs typeface="TH SarabunPSK" panose="020B0500040200020003" pitchFamily="34" charset="-34"/>
+            </a:endParaRPr>
+          </a:p>
+          <a:p>
+            <a:r>
               <a:rPr lang="en-US" dirty="0">
                 <a:latin typeface="TH SarabunPSK" panose="020B0500040200020003" pitchFamily="34" charset="-34"/>
                 <a:cs typeface="TH SarabunPSK" panose="020B0500040200020003" pitchFamily="34" charset="-34"/>
@@ -4042,7 +4075,26 @@
                 <a:latin typeface="Courier New" panose="02070309020205020404" pitchFamily="49" charset="0"/>
                 <a:cs typeface="Courier New" panose="02070309020205020404" pitchFamily="49" charset="0"/>
               </a:rPr>
-              <a:t>, 'Name’);</a:t>
+              <a:t>, '</a:t>
+            </a:r>
+            <a:r>
+              <a:rPr lang="en-US" sz="1800" dirty="0">
+                <a:solidFill>
+                  <a:schemeClr val="accent2">
+                    <a:lumMod val="75000"/>
+                  </a:schemeClr>
+                </a:solidFill>
+                <a:latin typeface="Courier New" panose="02070309020205020404" pitchFamily="49" charset="0"/>
+                <a:cs typeface="Courier New" panose="02070309020205020404" pitchFamily="49" charset="0"/>
+              </a:rPr>
+              <a:t>Name</a:t>
+            </a:r>
+            <a:r>
+              <a:rPr lang="en-US" sz="1800" dirty="0">
+                <a:latin typeface="Courier New" panose="02070309020205020404" pitchFamily="49" charset="0"/>
+                <a:cs typeface="Courier New" panose="02070309020205020404" pitchFamily="49" charset="0"/>
+              </a:rPr>
+              <a:t>’);</a:t>
             </a:r>
             <a:endParaRPr lang="th-TH" sz="1800" dirty="0">
               <a:latin typeface="Courier New" panose="02070309020205020404" pitchFamily="49" charset="0"/>
@@ -4172,21 +4224,26 @@
                 <a:latin typeface="TH SarabunPSK" panose="020B0500040200020003" pitchFamily="34" charset="-34"/>
                 <a:cs typeface="TH SarabunPSK" panose="020B0500040200020003" pitchFamily="34" charset="-34"/>
               </a:rPr>
-              <a:t>จัดกลุ่มตาม</a:t>
+              <a:t>จัดกลุ่มโดยการแบ่งสีตามคอลัมน์</a:t>
             </a:r>
             <a:r>
               <a:rPr lang="en-US" sz="2400" dirty="0">
                 <a:latin typeface="TH SarabunPSK" panose="020B0500040200020003" pitchFamily="34" charset="-34"/>
                 <a:cs typeface="TH SarabunPSK" panose="020B0500040200020003" pitchFamily="34" charset="-34"/>
               </a:rPr>
-              <a:t> Name </a:t>
-            </a:r>
-            <a:r>
-              <a:rPr lang="th-TH" sz="2400" dirty="0">
-                <a:latin typeface="TH SarabunPSK" panose="020B0500040200020003" pitchFamily="34" charset="-34"/>
-                <a:cs typeface="TH SarabunPSK" panose="020B0500040200020003" pitchFamily="34" charset="-34"/>
-              </a:rPr>
-              <a:t>โดยการแบ่งสี</a:t>
+              <a:t> </a:t>
+            </a:r>
+            <a:r>
+              <a:rPr lang="en-US" sz="2400" dirty="0">
+                <a:solidFill>
+                  <a:schemeClr val="accent2">
+                    <a:lumMod val="75000"/>
+                  </a:schemeClr>
+                </a:solidFill>
+                <a:latin typeface="TH SarabunPSK" panose="020B0500040200020003" pitchFamily="34" charset="-34"/>
+                <a:cs typeface="TH SarabunPSK" panose="020B0500040200020003" pitchFamily="34" charset="-34"/>
+              </a:rPr>
+              <a:t>Name</a:t>
             </a:r>
             <a:endParaRPr lang="en-US" sz="2400" dirty="0">
               <a:latin typeface="TH SarabunPSK" panose="020B0500040200020003" pitchFamily="34" charset="-34"/>
@@ -5777,231 +5834,6 @@
     <p:extLst>
       <p:ext uri="{BB962C8B-B14F-4D97-AF65-F5344CB8AC3E}">
         <p14:creationId xmlns:p14="http://schemas.microsoft.com/office/powerpoint/2010/main" val="3380716202"/>
-      </p:ext>
-    </p:extLst>
-  </p:cSld>
-  <p:clrMapOvr>
-    <a:masterClrMapping/>
-  </p:clrMapOvr>
-</p:sld>
-</file>
-
-<file path=ppt/slides/slide13.xml><?xml version="1.0" encoding="utf-8"?>
-<p:sld xmlns:a="http://schemas.openxmlformats.org/drawingml/2006/main" xmlns:r="http://schemas.openxmlformats.org/officeDocument/2006/relationships" xmlns:p="http://schemas.openxmlformats.org/presentationml/2006/main">
-  <p:cSld>
-    <p:spTree>
-      <p:nvGrpSpPr>
-        <p:cNvPr id="1" name="">
-          <a:extLst>
-            <a:ext uri="{FF2B5EF4-FFF2-40B4-BE49-F238E27FC236}">
-              <a16:creationId xmlns:a16="http://schemas.microsoft.com/office/drawing/2014/main" id="{F2757DAB-7B06-5000-0148-3EA23EA52D46}"/>
-            </a:ext>
-          </a:extLst>
-        </p:cNvPr>
-        <p:cNvGrpSpPr/>
-        <p:nvPr/>
-      </p:nvGrpSpPr>
-      <p:grpSpPr>
-        <a:xfrm>
-          <a:off x="0" y="0"/>
-          <a:ext cx="0" cy="0"/>
-          <a:chOff x="0" y="0"/>
-          <a:chExt cx="0" cy="0"/>
-        </a:xfrm>
-      </p:grpSpPr>
-      <p:sp>
-        <p:nvSpPr>
-          <p:cNvPr id="4" name="Rectangle 3">
-            <a:extLst>
-              <a:ext uri="{FF2B5EF4-FFF2-40B4-BE49-F238E27FC236}">
-                <a16:creationId xmlns:a16="http://schemas.microsoft.com/office/drawing/2014/main" id="{E98281F7-723D-D944-718C-781496D1495A}"/>
-              </a:ext>
-            </a:extLst>
-          </p:cNvPr>
-          <p:cNvSpPr/>
-          <p:nvPr/>
-        </p:nvSpPr>
-        <p:spPr>
-          <a:xfrm>
-            <a:off x="0" y="5840991"/>
-            <a:ext cx="12192000" cy="1017009"/>
-          </a:xfrm>
-          <a:prstGeom prst="rect">
-            <a:avLst/>
-          </a:prstGeom>
-          <a:solidFill>
-            <a:schemeClr val="accent2">
-              <a:lumMod val="60000"/>
-              <a:lumOff val="40000"/>
-            </a:schemeClr>
-          </a:solidFill>
-          <a:ln>
-            <a:solidFill>
-              <a:schemeClr val="accent2">
-                <a:lumMod val="60000"/>
-                <a:lumOff val="40000"/>
-              </a:schemeClr>
-            </a:solidFill>
-          </a:ln>
-        </p:spPr>
-        <p:style>
-          <a:lnRef idx="2">
-            <a:schemeClr val="accent1">
-              <a:shade val="15000"/>
-            </a:schemeClr>
-          </a:lnRef>
-          <a:fillRef idx="1">
-            <a:schemeClr val="accent1"/>
-          </a:fillRef>
-          <a:effectRef idx="0">
-            <a:schemeClr val="accent1"/>
-          </a:effectRef>
-          <a:fontRef idx="minor">
-            <a:schemeClr val="lt1"/>
-          </a:fontRef>
-        </p:style>
-        <p:txBody>
-          <a:bodyPr rtlCol="0" anchor="ctr"/>
-          <a:lstStyle/>
-          <a:p>
-            <a:pPr algn="ctr"/>
-            <a:endParaRPr lang="en-US"/>
-          </a:p>
-        </p:txBody>
-      </p:sp>
-      <p:sp>
-        <p:nvSpPr>
-          <p:cNvPr id="5" name="Rectangle 4">
-            <a:extLst>
-              <a:ext uri="{FF2B5EF4-FFF2-40B4-BE49-F238E27FC236}">
-                <a16:creationId xmlns:a16="http://schemas.microsoft.com/office/drawing/2014/main" id="{3E6DFCF7-75A5-D5B6-3CE8-A2A91F4F8FAB}"/>
-              </a:ext>
-            </a:extLst>
-          </p:cNvPr>
-          <p:cNvSpPr/>
-          <p:nvPr/>
-        </p:nvSpPr>
-        <p:spPr>
-          <a:xfrm>
-            <a:off x="0" y="0"/>
-            <a:ext cx="12192000" cy="1136342"/>
-          </a:xfrm>
-          <a:prstGeom prst="rect">
-            <a:avLst/>
-          </a:prstGeom>
-          <a:solidFill>
-            <a:schemeClr val="accent2">
-              <a:lumMod val="60000"/>
-              <a:lumOff val="40000"/>
-            </a:schemeClr>
-          </a:solidFill>
-          <a:ln>
-            <a:solidFill>
-              <a:schemeClr val="accent2">
-                <a:lumMod val="60000"/>
-                <a:lumOff val="40000"/>
-              </a:schemeClr>
-            </a:solidFill>
-          </a:ln>
-        </p:spPr>
-        <p:style>
-          <a:lnRef idx="2">
-            <a:schemeClr val="accent1">
-              <a:shade val="15000"/>
-            </a:schemeClr>
-          </a:lnRef>
-          <a:fillRef idx="1">
-            <a:schemeClr val="accent1"/>
-          </a:fillRef>
-          <a:effectRef idx="0">
-            <a:schemeClr val="accent1"/>
-          </a:effectRef>
-          <a:fontRef idx="minor">
-            <a:schemeClr val="lt1"/>
-          </a:fontRef>
-        </p:style>
-        <p:txBody>
-          <a:bodyPr rtlCol="0" anchor="ctr"/>
-          <a:lstStyle/>
-          <a:p>
-            <a:pPr algn="ctr"/>
-            <a:endParaRPr lang="en-US" dirty="0">
-              <a:noFill/>
-            </a:endParaRPr>
-          </a:p>
-        </p:txBody>
-      </p:sp>
-      <p:pic>
-        <p:nvPicPr>
-          <p:cNvPr id="6" name="Picture 5" descr="A black and white logo&#10;&#10;Description automatically generated">
-            <a:extLst>
-              <a:ext uri="{FF2B5EF4-FFF2-40B4-BE49-F238E27FC236}">
-                <a16:creationId xmlns:a16="http://schemas.microsoft.com/office/drawing/2014/main" id="{8AD21696-4079-3E07-0B95-472E6ED8B235}"/>
-              </a:ext>
-            </a:extLst>
-          </p:cNvPr>
-          <p:cNvPicPr>
-            <a:picLocks noChangeAspect="1"/>
-          </p:cNvPicPr>
-          <p:nvPr/>
-        </p:nvPicPr>
-        <p:blipFill>
-          <a:blip r:embed="rId2">
-            <a:extLst>
-              <a:ext uri="{28A0092B-C50C-407E-A947-70E740481C1C}">
-                <a14:useLocalDpi xmlns:a14="http://schemas.microsoft.com/office/drawing/2010/main" val="0"/>
-              </a:ext>
-            </a:extLst>
-          </a:blip>
-          <a:stretch>
-            <a:fillRect/>
-          </a:stretch>
-        </p:blipFill>
-        <p:spPr>
-          <a:xfrm>
-            <a:off x="11051882" y="119333"/>
-            <a:ext cx="1093483" cy="1017009"/>
-          </a:xfrm>
-          <a:prstGeom prst="rect">
-            <a:avLst/>
-          </a:prstGeom>
-        </p:spPr>
-      </p:pic>
-      <p:sp>
-        <p:nvSpPr>
-          <p:cNvPr id="2" name="Title 1">
-            <a:extLst>
-              <a:ext uri="{FF2B5EF4-FFF2-40B4-BE49-F238E27FC236}">
-                <a16:creationId xmlns:a16="http://schemas.microsoft.com/office/drawing/2014/main" id="{56162382-B4C8-C782-BE87-8B4EDA3CB934}"/>
-              </a:ext>
-            </a:extLst>
-          </p:cNvPr>
-          <p:cNvSpPr>
-            <a:spLocks noGrp="1"/>
-          </p:cNvSpPr>
-          <p:nvPr>
-            <p:ph type="ctrTitle"/>
-          </p:nvPr>
-        </p:nvSpPr>
-        <p:spPr/>
-        <p:txBody>
-          <a:bodyPr/>
-          <a:lstStyle/>
-          <a:p>
-            <a:r>
-              <a:rPr lang="en-US" dirty="0">
-                <a:latin typeface="TH SarabunPSK" panose="020B0500040200020003" pitchFamily="34" charset="-34"/>
-                <a:cs typeface="TH SarabunPSK" panose="020B0500040200020003" pitchFamily="34" charset="-34"/>
-              </a:rPr>
-              <a:t>Midterm exam</a:t>
-            </a:r>
-          </a:p>
-        </p:txBody>
-      </p:sp>
-    </p:spTree>
-    <p:extLst>
-      <p:ext uri="{BB962C8B-B14F-4D97-AF65-F5344CB8AC3E}">
-        <p14:creationId xmlns:p14="http://schemas.microsoft.com/office/powerpoint/2010/main" val="2025854962"/>
       </p:ext>
     </p:extLst>
   </p:cSld>

--- a/PPT/Class period 10.pptx
+++ b/PPT/Class period 10.pptx
@@ -115,6 +115,11 @@
       </a:defRPr>
     </a:lvl9pPr>
   </p:defaultTextStyle>
+  <p:extLst>
+    <p:ext uri="{EFAFB233-063F-42B5-8137-9DF3F51BA10A}">
+      <p15:sldGuideLst xmlns:p15="http://schemas.microsoft.com/office/powerpoint/2012/main"/>
+    </p:ext>
+  </p:extLst>
 </p:presentation>
 </file>
 
@@ -265,7 +270,7 @@
           <a:p>
             <a:fld id="{77055D6E-4CBA-4A21-A9FA-F81E69B5082E}" type="datetimeFigureOut">
               <a:rPr lang="en-US" smtClean="0"/>
-              <a:t>5/15/2024</a:t>
+              <a:t>6/17/2024</a:t>
             </a:fld>
             <a:endParaRPr lang="en-US"/>
           </a:p>
@@ -463,7 +468,7 @@
           <a:p>
             <a:fld id="{77055D6E-4CBA-4A21-A9FA-F81E69B5082E}" type="datetimeFigureOut">
               <a:rPr lang="en-US" smtClean="0"/>
-              <a:t>5/15/2024</a:t>
+              <a:t>6/17/2024</a:t>
             </a:fld>
             <a:endParaRPr lang="en-US"/>
           </a:p>
@@ -671,7 +676,7 @@
           <a:p>
             <a:fld id="{77055D6E-4CBA-4A21-A9FA-F81E69B5082E}" type="datetimeFigureOut">
               <a:rPr lang="en-US" smtClean="0"/>
-              <a:t>5/15/2024</a:t>
+              <a:t>6/17/2024</a:t>
             </a:fld>
             <a:endParaRPr lang="en-US"/>
           </a:p>
@@ -869,7 +874,7 @@
           <a:p>
             <a:fld id="{77055D6E-4CBA-4A21-A9FA-F81E69B5082E}" type="datetimeFigureOut">
               <a:rPr lang="en-US" smtClean="0"/>
-              <a:t>5/15/2024</a:t>
+              <a:t>6/17/2024</a:t>
             </a:fld>
             <a:endParaRPr lang="en-US"/>
           </a:p>
@@ -1144,7 +1149,7 @@
           <a:p>
             <a:fld id="{77055D6E-4CBA-4A21-A9FA-F81E69B5082E}" type="datetimeFigureOut">
               <a:rPr lang="en-US" smtClean="0"/>
-              <a:t>5/15/2024</a:t>
+              <a:t>6/17/2024</a:t>
             </a:fld>
             <a:endParaRPr lang="en-US"/>
           </a:p>
@@ -1409,7 +1414,7 @@
           <a:p>
             <a:fld id="{77055D6E-4CBA-4A21-A9FA-F81E69B5082E}" type="datetimeFigureOut">
               <a:rPr lang="en-US" smtClean="0"/>
-              <a:t>5/15/2024</a:t>
+              <a:t>6/17/2024</a:t>
             </a:fld>
             <a:endParaRPr lang="en-US"/>
           </a:p>
@@ -1821,7 +1826,7 @@
           <a:p>
             <a:fld id="{77055D6E-4CBA-4A21-A9FA-F81E69B5082E}" type="datetimeFigureOut">
               <a:rPr lang="en-US" smtClean="0"/>
-              <a:t>5/15/2024</a:t>
+              <a:t>6/17/2024</a:t>
             </a:fld>
             <a:endParaRPr lang="en-US"/>
           </a:p>
@@ -1962,7 +1967,7 @@
           <a:p>
             <a:fld id="{77055D6E-4CBA-4A21-A9FA-F81E69B5082E}" type="datetimeFigureOut">
               <a:rPr lang="en-US" smtClean="0"/>
-              <a:t>5/15/2024</a:t>
+              <a:t>6/17/2024</a:t>
             </a:fld>
             <a:endParaRPr lang="en-US"/>
           </a:p>
@@ -2075,7 +2080,7 @@
           <a:p>
             <a:fld id="{77055D6E-4CBA-4A21-A9FA-F81E69B5082E}" type="datetimeFigureOut">
               <a:rPr lang="en-US" smtClean="0"/>
-              <a:t>5/15/2024</a:t>
+              <a:t>6/17/2024</a:t>
             </a:fld>
             <a:endParaRPr lang="en-US"/>
           </a:p>
@@ -2386,7 +2391,7 @@
           <a:p>
             <a:fld id="{77055D6E-4CBA-4A21-A9FA-F81E69B5082E}" type="datetimeFigureOut">
               <a:rPr lang="en-US" smtClean="0"/>
-              <a:t>5/15/2024</a:t>
+              <a:t>6/17/2024</a:t>
             </a:fld>
             <a:endParaRPr lang="en-US"/>
           </a:p>
@@ -2674,7 +2679,7 @@
           <a:p>
             <a:fld id="{77055D6E-4CBA-4A21-A9FA-F81E69B5082E}" type="datetimeFigureOut">
               <a:rPr lang="en-US" smtClean="0"/>
-              <a:t>5/15/2024</a:t>
+              <a:t>6/17/2024</a:t>
             </a:fld>
             <a:endParaRPr lang="en-US"/>
           </a:p>
@@ -2915,7 +2920,7 @@
           <a:p>
             <a:fld id="{77055D6E-4CBA-4A21-A9FA-F81E69B5082E}" type="datetimeFigureOut">
               <a:rPr lang="en-US" smtClean="0"/>
-              <a:t>5/15/2024</a:t>
+              <a:t>6/17/2024</a:t>
             </a:fld>
             <a:endParaRPr lang="en-US"/>
           </a:p>
@@ -3580,6 +3585,73 @@
           </a:p>
         </p:txBody>
       </p:sp>
+      <p:sp>
+        <p:nvSpPr>
+          <p:cNvPr id="7" name="TextBox 6">
+            <a:extLst>
+              <a:ext uri="{FF2B5EF4-FFF2-40B4-BE49-F238E27FC236}">
+                <a16:creationId xmlns:a16="http://schemas.microsoft.com/office/drawing/2014/main" id="{B2AE19AE-E5F5-9696-C824-AF31E8ECEAC2}"/>
+              </a:ext>
+            </a:extLst>
+          </p:cNvPr>
+          <p:cNvSpPr txBox="1"/>
+          <p:nvPr/>
+        </p:nvSpPr>
+        <p:spPr>
+          <a:xfrm>
+            <a:off x="114677" y="6172611"/>
+            <a:ext cx="5532120" cy="461665"/>
+          </a:xfrm>
+          <a:prstGeom prst="rect">
+            <a:avLst/>
+          </a:prstGeom>
+          <a:noFill/>
+        </p:spPr>
+        <p:txBody>
+          <a:bodyPr wrap="square">
+            <a:spAutoFit/>
+          </a:bodyPr>
+          <a:lstStyle/>
+          <a:p>
+            <a:pPr algn="l"/>
+            <a:r>
+              <a:rPr lang="th-TH" sz="2400" dirty="0">
+                <a:latin typeface="TH SarabunPSK" panose="020B0500040200020003" pitchFamily="34" charset="-34"/>
+                <a:cs typeface="TH SarabunPSK" panose="020B0500040200020003" pitchFamily="34" charset="-34"/>
+              </a:rPr>
+              <a:t>โดย ผศ</a:t>
+            </a:r>
+            <a:r>
+              <a:rPr lang="en-US" sz="2400" dirty="0">
+                <a:latin typeface="TH SarabunPSK" panose="020B0500040200020003" pitchFamily="34" charset="-34"/>
+                <a:cs typeface="TH SarabunPSK" panose="020B0500040200020003" pitchFamily="34" charset="-34"/>
+              </a:rPr>
+              <a:t>. </a:t>
+            </a:r>
+            <a:r>
+              <a:rPr lang="th-TH" sz="2400" dirty="0">
+                <a:latin typeface="TH SarabunPSK" panose="020B0500040200020003" pitchFamily="34" charset="-34"/>
+                <a:cs typeface="TH SarabunPSK" panose="020B0500040200020003" pitchFamily="34" charset="-34"/>
+              </a:rPr>
+              <a:t>ดร</a:t>
+            </a:r>
+            <a:r>
+              <a:rPr lang="en-US" sz="2400" dirty="0">
+                <a:latin typeface="TH SarabunPSK" panose="020B0500040200020003" pitchFamily="34" charset="-34"/>
+                <a:cs typeface="TH SarabunPSK" panose="020B0500040200020003" pitchFamily="34" charset="-34"/>
+              </a:rPr>
+              <a:t>.</a:t>
+            </a:r>
+            <a:r>
+              <a:rPr lang="th-TH" sz="2400" dirty="0">
+                <a:latin typeface="TH SarabunPSK" panose="020B0500040200020003" pitchFamily="34" charset="-34"/>
+                <a:cs typeface="TH SarabunPSK" panose="020B0500040200020003" pitchFamily="34" charset="-34"/>
+              </a:rPr>
+              <a:t>ธนพงศ์ อินทระ สาขาวิชาสถิติ มหาวิทยาลัยขอนแก่น </a:t>
+            </a:r>
+          </a:p>
+        </p:txBody>
+      </p:sp>
     </p:spTree>
     <p:extLst>
       <p:ext uri="{BB962C8B-B14F-4D97-AF65-F5344CB8AC3E}">
@@ -4282,6 +4354,73 @@
           </a:prstGeom>
         </p:spPr>
       </p:pic>
+      <p:sp>
+        <p:nvSpPr>
+          <p:cNvPr id="10" name="TextBox 9">
+            <a:extLst>
+              <a:ext uri="{FF2B5EF4-FFF2-40B4-BE49-F238E27FC236}">
+                <a16:creationId xmlns:a16="http://schemas.microsoft.com/office/drawing/2014/main" id="{A4E01774-BF70-C078-5029-1BF5313A5707}"/>
+              </a:ext>
+            </a:extLst>
+          </p:cNvPr>
+          <p:cNvSpPr txBox="1"/>
+          <p:nvPr/>
+        </p:nvSpPr>
+        <p:spPr>
+          <a:xfrm>
+            <a:off x="114677" y="6172611"/>
+            <a:ext cx="5532120" cy="461665"/>
+          </a:xfrm>
+          <a:prstGeom prst="rect">
+            <a:avLst/>
+          </a:prstGeom>
+          <a:noFill/>
+        </p:spPr>
+        <p:txBody>
+          <a:bodyPr wrap="square">
+            <a:spAutoFit/>
+          </a:bodyPr>
+          <a:lstStyle/>
+          <a:p>
+            <a:pPr algn="l"/>
+            <a:r>
+              <a:rPr lang="th-TH" sz="2400" dirty="0">
+                <a:latin typeface="TH SarabunPSK" panose="020B0500040200020003" pitchFamily="34" charset="-34"/>
+                <a:cs typeface="TH SarabunPSK" panose="020B0500040200020003" pitchFamily="34" charset="-34"/>
+              </a:rPr>
+              <a:t>โดย ผศ</a:t>
+            </a:r>
+            <a:r>
+              <a:rPr lang="en-US" sz="2400" dirty="0">
+                <a:latin typeface="TH SarabunPSK" panose="020B0500040200020003" pitchFamily="34" charset="-34"/>
+                <a:cs typeface="TH SarabunPSK" panose="020B0500040200020003" pitchFamily="34" charset="-34"/>
+              </a:rPr>
+              <a:t>. </a:t>
+            </a:r>
+            <a:r>
+              <a:rPr lang="th-TH" sz="2400" dirty="0">
+                <a:latin typeface="TH SarabunPSK" panose="020B0500040200020003" pitchFamily="34" charset="-34"/>
+                <a:cs typeface="TH SarabunPSK" panose="020B0500040200020003" pitchFamily="34" charset="-34"/>
+              </a:rPr>
+              <a:t>ดร</a:t>
+            </a:r>
+            <a:r>
+              <a:rPr lang="en-US" sz="2400" dirty="0">
+                <a:latin typeface="TH SarabunPSK" panose="020B0500040200020003" pitchFamily="34" charset="-34"/>
+                <a:cs typeface="TH SarabunPSK" panose="020B0500040200020003" pitchFamily="34" charset="-34"/>
+              </a:rPr>
+              <a:t>.</a:t>
+            </a:r>
+            <a:r>
+              <a:rPr lang="th-TH" sz="2400" dirty="0">
+                <a:latin typeface="TH SarabunPSK" panose="020B0500040200020003" pitchFamily="34" charset="-34"/>
+                <a:cs typeface="TH SarabunPSK" panose="020B0500040200020003" pitchFamily="34" charset="-34"/>
+              </a:rPr>
+              <a:t>ธนพงศ์ อินทระ สาขาวิชาสถิติ มหาวิทยาลัยขอนแก่น </a:t>
+            </a:r>
+          </a:p>
+        </p:txBody>
+      </p:sp>
     </p:spTree>
     <p:extLst>
       <p:ext uri="{BB962C8B-B14F-4D97-AF65-F5344CB8AC3E}">
@@ -4937,6 +5076,73 @@
           </a:prstGeom>
         </p:spPr>
       </p:pic>
+      <p:sp>
+        <p:nvSpPr>
+          <p:cNvPr id="10" name="TextBox 9">
+            <a:extLst>
+              <a:ext uri="{FF2B5EF4-FFF2-40B4-BE49-F238E27FC236}">
+                <a16:creationId xmlns:a16="http://schemas.microsoft.com/office/drawing/2014/main" id="{F89132AE-A4F2-D726-32FF-48799F98FC24}"/>
+              </a:ext>
+            </a:extLst>
+          </p:cNvPr>
+          <p:cNvSpPr txBox="1"/>
+          <p:nvPr/>
+        </p:nvSpPr>
+        <p:spPr>
+          <a:xfrm>
+            <a:off x="114677" y="6172611"/>
+            <a:ext cx="5532120" cy="461665"/>
+          </a:xfrm>
+          <a:prstGeom prst="rect">
+            <a:avLst/>
+          </a:prstGeom>
+          <a:noFill/>
+        </p:spPr>
+        <p:txBody>
+          <a:bodyPr wrap="square">
+            <a:spAutoFit/>
+          </a:bodyPr>
+          <a:lstStyle/>
+          <a:p>
+            <a:pPr algn="l"/>
+            <a:r>
+              <a:rPr lang="th-TH" sz="2400" dirty="0">
+                <a:latin typeface="TH SarabunPSK" panose="020B0500040200020003" pitchFamily="34" charset="-34"/>
+                <a:cs typeface="TH SarabunPSK" panose="020B0500040200020003" pitchFamily="34" charset="-34"/>
+              </a:rPr>
+              <a:t>โดย ผศ</a:t>
+            </a:r>
+            <a:r>
+              <a:rPr lang="en-US" sz="2400" dirty="0">
+                <a:latin typeface="TH SarabunPSK" panose="020B0500040200020003" pitchFamily="34" charset="-34"/>
+                <a:cs typeface="TH SarabunPSK" panose="020B0500040200020003" pitchFamily="34" charset="-34"/>
+              </a:rPr>
+              <a:t>. </a:t>
+            </a:r>
+            <a:r>
+              <a:rPr lang="th-TH" sz="2400" dirty="0">
+                <a:latin typeface="TH SarabunPSK" panose="020B0500040200020003" pitchFamily="34" charset="-34"/>
+                <a:cs typeface="TH SarabunPSK" panose="020B0500040200020003" pitchFamily="34" charset="-34"/>
+              </a:rPr>
+              <a:t>ดร</a:t>
+            </a:r>
+            <a:r>
+              <a:rPr lang="en-US" sz="2400" dirty="0">
+                <a:latin typeface="TH SarabunPSK" panose="020B0500040200020003" pitchFamily="34" charset="-34"/>
+                <a:cs typeface="TH SarabunPSK" panose="020B0500040200020003" pitchFamily="34" charset="-34"/>
+              </a:rPr>
+              <a:t>.</a:t>
+            </a:r>
+            <a:r>
+              <a:rPr lang="th-TH" sz="2400" dirty="0">
+                <a:latin typeface="TH SarabunPSK" panose="020B0500040200020003" pitchFamily="34" charset="-34"/>
+                <a:cs typeface="TH SarabunPSK" panose="020B0500040200020003" pitchFamily="34" charset="-34"/>
+              </a:rPr>
+              <a:t>ธนพงศ์ อินทระ สาขาวิชาสถิติ มหาวิทยาลัยขอนแก่น </a:t>
+            </a:r>
+          </a:p>
+        </p:txBody>
+      </p:sp>
     </p:spTree>
     <p:extLst>
       <p:ext uri="{BB962C8B-B14F-4D97-AF65-F5344CB8AC3E}">
@@ -5830,6 +6036,73 @@
           </a:prstGeom>
         </p:spPr>
       </p:pic>
+      <p:sp>
+        <p:nvSpPr>
+          <p:cNvPr id="10" name="TextBox 9">
+            <a:extLst>
+              <a:ext uri="{FF2B5EF4-FFF2-40B4-BE49-F238E27FC236}">
+                <a16:creationId xmlns:a16="http://schemas.microsoft.com/office/drawing/2014/main" id="{23053841-3B15-6769-DDC8-6CC7A71381C2}"/>
+              </a:ext>
+            </a:extLst>
+          </p:cNvPr>
+          <p:cNvSpPr txBox="1"/>
+          <p:nvPr/>
+        </p:nvSpPr>
+        <p:spPr>
+          <a:xfrm>
+            <a:off x="114677" y="6172611"/>
+            <a:ext cx="5532120" cy="461665"/>
+          </a:xfrm>
+          <a:prstGeom prst="rect">
+            <a:avLst/>
+          </a:prstGeom>
+          <a:noFill/>
+        </p:spPr>
+        <p:txBody>
+          <a:bodyPr wrap="square">
+            <a:spAutoFit/>
+          </a:bodyPr>
+          <a:lstStyle/>
+          <a:p>
+            <a:pPr algn="l"/>
+            <a:r>
+              <a:rPr lang="th-TH" sz="2400" dirty="0">
+                <a:latin typeface="TH SarabunPSK" panose="020B0500040200020003" pitchFamily="34" charset="-34"/>
+                <a:cs typeface="TH SarabunPSK" panose="020B0500040200020003" pitchFamily="34" charset="-34"/>
+              </a:rPr>
+              <a:t>โดย ผศ</a:t>
+            </a:r>
+            <a:r>
+              <a:rPr lang="en-US" sz="2400" dirty="0">
+                <a:latin typeface="TH SarabunPSK" panose="020B0500040200020003" pitchFamily="34" charset="-34"/>
+                <a:cs typeface="TH SarabunPSK" panose="020B0500040200020003" pitchFamily="34" charset="-34"/>
+              </a:rPr>
+              <a:t>. </a:t>
+            </a:r>
+            <a:r>
+              <a:rPr lang="th-TH" sz="2400" dirty="0">
+                <a:latin typeface="TH SarabunPSK" panose="020B0500040200020003" pitchFamily="34" charset="-34"/>
+                <a:cs typeface="TH SarabunPSK" panose="020B0500040200020003" pitchFamily="34" charset="-34"/>
+              </a:rPr>
+              <a:t>ดร</a:t>
+            </a:r>
+            <a:r>
+              <a:rPr lang="en-US" sz="2400" dirty="0">
+                <a:latin typeface="TH SarabunPSK" panose="020B0500040200020003" pitchFamily="34" charset="-34"/>
+                <a:cs typeface="TH SarabunPSK" panose="020B0500040200020003" pitchFamily="34" charset="-34"/>
+              </a:rPr>
+              <a:t>.</a:t>
+            </a:r>
+            <a:r>
+              <a:rPr lang="th-TH" sz="2400" dirty="0">
+                <a:latin typeface="TH SarabunPSK" panose="020B0500040200020003" pitchFamily="34" charset="-34"/>
+                <a:cs typeface="TH SarabunPSK" panose="020B0500040200020003" pitchFamily="34" charset="-34"/>
+              </a:rPr>
+              <a:t>ธนพงศ์ อินทระ สาขาวิชาสถิติ มหาวิทยาลัยขอนแก่น </a:t>
+            </a:r>
+          </a:p>
+        </p:txBody>
+      </p:sp>
     </p:spTree>
     <p:extLst>
       <p:ext uri="{BB962C8B-B14F-4D97-AF65-F5344CB8AC3E}">
@@ -6835,6 +7108,73 @@
           </a:p>
         </p:txBody>
       </p:sp>
+      <p:sp>
+        <p:nvSpPr>
+          <p:cNvPr id="9" name="TextBox 8">
+            <a:extLst>
+              <a:ext uri="{FF2B5EF4-FFF2-40B4-BE49-F238E27FC236}">
+                <a16:creationId xmlns:a16="http://schemas.microsoft.com/office/drawing/2014/main" id="{D941D82C-BF27-72C0-A978-F5E01E18F720}"/>
+              </a:ext>
+            </a:extLst>
+          </p:cNvPr>
+          <p:cNvSpPr txBox="1"/>
+          <p:nvPr/>
+        </p:nvSpPr>
+        <p:spPr>
+          <a:xfrm>
+            <a:off x="114677" y="6172611"/>
+            <a:ext cx="5532120" cy="461665"/>
+          </a:xfrm>
+          <a:prstGeom prst="rect">
+            <a:avLst/>
+          </a:prstGeom>
+          <a:noFill/>
+        </p:spPr>
+        <p:txBody>
+          <a:bodyPr wrap="square">
+            <a:spAutoFit/>
+          </a:bodyPr>
+          <a:lstStyle/>
+          <a:p>
+            <a:pPr algn="l"/>
+            <a:r>
+              <a:rPr lang="th-TH" sz="2400" dirty="0">
+                <a:latin typeface="TH SarabunPSK" panose="020B0500040200020003" pitchFamily="34" charset="-34"/>
+                <a:cs typeface="TH SarabunPSK" panose="020B0500040200020003" pitchFamily="34" charset="-34"/>
+              </a:rPr>
+              <a:t>โดย ผศ</a:t>
+            </a:r>
+            <a:r>
+              <a:rPr lang="en-US" sz="2400" dirty="0">
+                <a:latin typeface="TH SarabunPSK" panose="020B0500040200020003" pitchFamily="34" charset="-34"/>
+                <a:cs typeface="TH SarabunPSK" panose="020B0500040200020003" pitchFamily="34" charset="-34"/>
+              </a:rPr>
+              <a:t>. </a:t>
+            </a:r>
+            <a:r>
+              <a:rPr lang="th-TH" sz="2400" dirty="0">
+                <a:latin typeface="TH SarabunPSK" panose="020B0500040200020003" pitchFamily="34" charset="-34"/>
+                <a:cs typeface="TH SarabunPSK" panose="020B0500040200020003" pitchFamily="34" charset="-34"/>
+              </a:rPr>
+              <a:t>ดร</a:t>
+            </a:r>
+            <a:r>
+              <a:rPr lang="en-US" sz="2400" dirty="0">
+                <a:latin typeface="TH SarabunPSK" panose="020B0500040200020003" pitchFamily="34" charset="-34"/>
+                <a:cs typeface="TH SarabunPSK" panose="020B0500040200020003" pitchFamily="34" charset="-34"/>
+              </a:rPr>
+              <a:t>.</a:t>
+            </a:r>
+            <a:r>
+              <a:rPr lang="th-TH" sz="2400" dirty="0">
+                <a:latin typeface="TH SarabunPSK" panose="020B0500040200020003" pitchFamily="34" charset="-34"/>
+                <a:cs typeface="TH SarabunPSK" panose="020B0500040200020003" pitchFamily="34" charset="-34"/>
+              </a:rPr>
+              <a:t>ธนพงศ์ อินทระ สาขาวิชาสถิติ มหาวิทยาลัยขอนแก่น </a:t>
+            </a:r>
+          </a:p>
+        </p:txBody>
+      </p:sp>
     </p:spTree>
     <p:extLst>
       <p:ext uri="{BB962C8B-B14F-4D97-AF65-F5344CB8AC3E}">
@@ -7545,6 +7885,73 @@
           </a:prstGeom>
         </p:spPr>
       </p:pic>
+      <p:sp>
+        <p:nvSpPr>
+          <p:cNvPr id="10" name="TextBox 9">
+            <a:extLst>
+              <a:ext uri="{FF2B5EF4-FFF2-40B4-BE49-F238E27FC236}">
+                <a16:creationId xmlns:a16="http://schemas.microsoft.com/office/drawing/2014/main" id="{9DAECD21-08A0-38BD-4DE3-39C6E49E3361}"/>
+              </a:ext>
+            </a:extLst>
+          </p:cNvPr>
+          <p:cNvSpPr txBox="1"/>
+          <p:nvPr/>
+        </p:nvSpPr>
+        <p:spPr>
+          <a:xfrm>
+            <a:off x="114677" y="6172611"/>
+            <a:ext cx="5532120" cy="461665"/>
+          </a:xfrm>
+          <a:prstGeom prst="rect">
+            <a:avLst/>
+          </a:prstGeom>
+          <a:noFill/>
+        </p:spPr>
+        <p:txBody>
+          <a:bodyPr wrap="square">
+            <a:spAutoFit/>
+          </a:bodyPr>
+          <a:lstStyle/>
+          <a:p>
+            <a:pPr algn="l"/>
+            <a:r>
+              <a:rPr lang="th-TH" sz="2400" dirty="0">
+                <a:latin typeface="TH SarabunPSK" panose="020B0500040200020003" pitchFamily="34" charset="-34"/>
+                <a:cs typeface="TH SarabunPSK" panose="020B0500040200020003" pitchFamily="34" charset="-34"/>
+              </a:rPr>
+              <a:t>โดย ผศ</a:t>
+            </a:r>
+            <a:r>
+              <a:rPr lang="en-US" sz="2400" dirty="0">
+                <a:latin typeface="TH SarabunPSK" panose="020B0500040200020003" pitchFamily="34" charset="-34"/>
+                <a:cs typeface="TH SarabunPSK" panose="020B0500040200020003" pitchFamily="34" charset="-34"/>
+              </a:rPr>
+              <a:t>. </a:t>
+            </a:r>
+            <a:r>
+              <a:rPr lang="th-TH" sz="2400" dirty="0">
+                <a:latin typeface="TH SarabunPSK" panose="020B0500040200020003" pitchFamily="34" charset="-34"/>
+                <a:cs typeface="TH SarabunPSK" panose="020B0500040200020003" pitchFamily="34" charset="-34"/>
+              </a:rPr>
+              <a:t>ดร</a:t>
+            </a:r>
+            <a:r>
+              <a:rPr lang="en-US" sz="2400" dirty="0">
+                <a:latin typeface="TH SarabunPSK" panose="020B0500040200020003" pitchFamily="34" charset="-34"/>
+                <a:cs typeface="TH SarabunPSK" panose="020B0500040200020003" pitchFamily="34" charset="-34"/>
+              </a:rPr>
+              <a:t>.</a:t>
+            </a:r>
+            <a:r>
+              <a:rPr lang="th-TH" sz="2400" dirty="0">
+                <a:latin typeface="TH SarabunPSK" panose="020B0500040200020003" pitchFamily="34" charset="-34"/>
+                <a:cs typeface="TH SarabunPSK" panose="020B0500040200020003" pitchFamily="34" charset="-34"/>
+              </a:rPr>
+              <a:t>ธนพงศ์ อินทระ สาขาวิชาสถิติ มหาวิทยาลัยขอนแก่น </a:t>
+            </a:r>
+          </a:p>
+        </p:txBody>
+      </p:sp>
     </p:spTree>
     <p:extLst>
       <p:ext uri="{BB962C8B-B14F-4D97-AF65-F5344CB8AC3E}">
@@ -8501,6 +8908,73 @@
           </a:p>
         </p:txBody>
       </p:sp>
+      <p:sp>
+        <p:nvSpPr>
+          <p:cNvPr id="9" name="TextBox 8">
+            <a:extLst>
+              <a:ext uri="{FF2B5EF4-FFF2-40B4-BE49-F238E27FC236}">
+                <a16:creationId xmlns:a16="http://schemas.microsoft.com/office/drawing/2014/main" id="{BB49730B-AE05-77D0-83A7-95B2A8FFBE89}"/>
+              </a:ext>
+            </a:extLst>
+          </p:cNvPr>
+          <p:cNvSpPr txBox="1"/>
+          <p:nvPr/>
+        </p:nvSpPr>
+        <p:spPr>
+          <a:xfrm>
+            <a:off x="114677" y="6172611"/>
+            <a:ext cx="5532120" cy="461665"/>
+          </a:xfrm>
+          <a:prstGeom prst="rect">
+            <a:avLst/>
+          </a:prstGeom>
+          <a:noFill/>
+        </p:spPr>
+        <p:txBody>
+          <a:bodyPr wrap="square">
+            <a:spAutoFit/>
+          </a:bodyPr>
+          <a:lstStyle/>
+          <a:p>
+            <a:pPr algn="l"/>
+            <a:r>
+              <a:rPr lang="th-TH" sz="2400" dirty="0">
+                <a:latin typeface="TH SarabunPSK" panose="020B0500040200020003" pitchFamily="34" charset="-34"/>
+                <a:cs typeface="TH SarabunPSK" panose="020B0500040200020003" pitchFamily="34" charset="-34"/>
+              </a:rPr>
+              <a:t>โดย ผศ</a:t>
+            </a:r>
+            <a:r>
+              <a:rPr lang="en-US" sz="2400" dirty="0">
+                <a:latin typeface="TH SarabunPSK" panose="020B0500040200020003" pitchFamily="34" charset="-34"/>
+                <a:cs typeface="TH SarabunPSK" panose="020B0500040200020003" pitchFamily="34" charset="-34"/>
+              </a:rPr>
+              <a:t>. </a:t>
+            </a:r>
+            <a:r>
+              <a:rPr lang="th-TH" sz="2400" dirty="0">
+                <a:latin typeface="TH SarabunPSK" panose="020B0500040200020003" pitchFamily="34" charset="-34"/>
+                <a:cs typeface="TH SarabunPSK" panose="020B0500040200020003" pitchFamily="34" charset="-34"/>
+              </a:rPr>
+              <a:t>ดร</a:t>
+            </a:r>
+            <a:r>
+              <a:rPr lang="en-US" sz="2400" dirty="0">
+                <a:latin typeface="TH SarabunPSK" panose="020B0500040200020003" pitchFamily="34" charset="-34"/>
+                <a:cs typeface="TH SarabunPSK" panose="020B0500040200020003" pitchFamily="34" charset="-34"/>
+              </a:rPr>
+              <a:t>.</a:t>
+            </a:r>
+            <a:r>
+              <a:rPr lang="th-TH" sz="2400" dirty="0">
+                <a:latin typeface="TH SarabunPSK" panose="020B0500040200020003" pitchFamily="34" charset="-34"/>
+                <a:cs typeface="TH SarabunPSK" panose="020B0500040200020003" pitchFamily="34" charset="-34"/>
+              </a:rPr>
+              <a:t>ธนพงศ์ อินทระ สาขาวิชาสถิติ มหาวิทยาลัยขอนแก่น </a:t>
+            </a:r>
+          </a:p>
+        </p:txBody>
+      </p:sp>
     </p:spTree>
     <p:extLst>
       <p:ext uri="{BB962C8B-B14F-4D97-AF65-F5344CB8AC3E}">
@@ -9548,6 +10022,73 @@
           </a:p>
         </p:txBody>
       </p:sp>
+      <p:sp>
+        <p:nvSpPr>
+          <p:cNvPr id="9" name="TextBox 8">
+            <a:extLst>
+              <a:ext uri="{FF2B5EF4-FFF2-40B4-BE49-F238E27FC236}">
+                <a16:creationId xmlns:a16="http://schemas.microsoft.com/office/drawing/2014/main" id="{6F75E902-8032-2CAC-5134-126711FB120C}"/>
+              </a:ext>
+            </a:extLst>
+          </p:cNvPr>
+          <p:cNvSpPr txBox="1"/>
+          <p:nvPr/>
+        </p:nvSpPr>
+        <p:spPr>
+          <a:xfrm>
+            <a:off x="114677" y="6172611"/>
+            <a:ext cx="5532120" cy="461665"/>
+          </a:xfrm>
+          <a:prstGeom prst="rect">
+            <a:avLst/>
+          </a:prstGeom>
+          <a:noFill/>
+        </p:spPr>
+        <p:txBody>
+          <a:bodyPr wrap="square">
+            <a:spAutoFit/>
+          </a:bodyPr>
+          <a:lstStyle/>
+          <a:p>
+            <a:pPr algn="l"/>
+            <a:r>
+              <a:rPr lang="th-TH" sz="2400" dirty="0">
+                <a:latin typeface="TH SarabunPSK" panose="020B0500040200020003" pitchFamily="34" charset="-34"/>
+                <a:cs typeface="TH SarabunPSK" panose="020B0500040200020003" pitchFamily="34" charset="-34"/>
+              </a:rPr>
+              <a:t>โดย ผศ</a:t>
+            </a:r>
+            <a:r>
+              <a:rPr lang="en-US" sz="2400" dirty="0">
+                <a:latin typeface="TH SarabunPSK" panose="020B0500040200020003" pitchFamily="34" charset="-34"/>
+                <a:cs typeface="TH SarabunPSK" panose="020B0500040200020003" pitchFamily="34" charset="-34"/>
+              </a:rPr>
+              <a:t>. </a:t>
+            </a:r>
+            <a:r>
+              <a:rPr lang="th-TH" sz="2400" dirty="0">
+                <a:latin typeface="TH SarabunPSK" panose="020B0500040200020003" pitchFamily="34" charset="-34"/>
+                <a:cs typeface="TH SarabunPSK" panose="020B0500040200020003" pitchFamily="34" charset="-34"/>
+              </a:rPr>
+              <a:t>ดร</a:t>
+            </a:r>
+            <a:r>
+              <a:rPr lang="en-US" sz="2400" dirty="0">
+                <a:latin typeface="TH SarabunPSK" panose="020B0500040200020003" pitchFamily="34" charset="-34"/>
+                <a:cs typeface="TH SarabunPSK" panose="020B0500040200020003" pitchFamily="34" charset="-34"/>
+              </a:rPr>
+              <a:t>.</a:t>
+            </a:r>
+            <a:r>
+              <a:rPr lang="th-TH" sz="2400" dirty="0">
+                <a:latin typeface="TH SarabunPSK" panose="020B0500040200020003" pitchFamily="34" charset="-34"/>
+                <a:cs typeface="TH SarabunPSK" panose="020B0500040200020003" pitchFamily="34" charset="-34"/>
+              </a:rPr>
+              <a:t>ธนพงศ์ อินทระ สาขาวิชาสถิติ มหาวิทยาลัยขอนแก่น </a:t>
+            </a:r>
+          </a:p>
+        </p:txBody>
+      </p:sp>
     </p:spTree>
     <p:extLst>
       <p:ext uri="{BB962C8B-B14F-4D97-AF65-F5344CB8AC3E}">
@@ -10021,6 +10562,73 @@
           </a:prstGeom>
         </p:spPr>
       </p:pic>
+      <p:sp>
+        <p:nvSpPr>
+          <p:cNvPr id="9" name="TextBox 8">
+            <a:extLst>
+              <a:ext uri="{FF2B5EF4-FFF2-40B4-BE49-F238E27FC236}">
+                <a16:creationId xmlns:a16="http://schemas.microsoft.com/office/drawing/2014/main" id="{905F05CF-8997-4566-89C1-6CB207B01733}"/>
+              </a:ext>
+            </a:extLst>
+          </p:cNvPr>
+          <p:cNvSpPr txBox="1"/>
+          <p:nvPr/>
+        </p:nvSpPr>
+        <p:spPr>
+          <a:xfrm>
+            <a:off x="114677" y="6172611"/>
+            <a:ext cx="5532120" cy="461665"/>
+          </a:xfrm>
+          <a:prstGeom prst="rect">
+            <a:avLst/>
+          </a:prstGeom>
+          <a:noFill/>
+        </p:spPr>
+        <p:txBody>
+          <a:bodyPr wrap="square">
+            <a:spAutoFit/>
+          </a:bodyPr>
+          <a:lstStyle/>
+          <a:p>
+            <a:pPr algn="l"/>
+            <a:r>
+              <a:rPr lang="th-TH" sz="2400" dirty="0">
+                <a:latin typeface="TH SarabunPSK" panose="020B0500040200020003" pitchFamily="34" charset="-34"/>
+                <a:cs typeface="TH SarabunPSK" panose="020B0500040200020003" pitchFamily="34" charset="-34"/>
+              </a:rPr>
+              <a:t>โดย ผศ</a:t>
+            </a:r>
+            <a:r>
+              <a:rPr lang="en-US" sz="2400" dirty="0">
+                <a:latin typeface="TH SarabunPSK" panose="020B0500040200020003" pitchFamily="34" charset="-34"/>
+                <a:cs typeface="TH SarabunPSK" panose="020B0500040200020003" pitchFamily="34" charset="-34"/>
+              </a:rPr>
+              <a:t>. </a:t>
+            </a:r>
+            <a:r>
+              <a:rPr lang="th-TH" sz="2400" dirty="0">
+                <a:latin typeface="TH SarabunPSK" panose="020B0500040200020003" pitchFamily="34" charset="-34"/>
+                <a:cs typeface="TH SarabunPSK" panose="020B0500040200020003" pitchFamily="34" charset="-34"/>
+              </a:rPr>
+              <a:t>ดร</a:t>
+            </a:r>
+            <a:r>
+              <a:rPr lang="en-US" sz="2400" dirty="0">
+                <a:latin typeface="TH SarabunPSK" panose="020B0500040200020003" pitchFamily="34" charset="-34"/>
+                <a:cs typeface="TH SarabunPSK" panose="020B0500040200020003" pitchFamily="34" charset="-34"/>
+              </a:rPr>
+              <a:t>.</a:t>
+            </a:r>
+            <a:r>
+              <a:rPr lang="th-TH" sz="2400" dirty="0">
+                <a:latin typeface="TH SarabunPSK" panose="020B0500040200020003" pitchFamily="34" charset="-34"/>
+                <a:cs typeface="TH SarabunPSK" panose="020B0500040200020003" pitchFamily="34" charset="-34"/>
+              </a:rPr>
+              <a:t>ธนพงศ์ อินทระ สาขาวิชาสถิติ มหาวิทยาลัยขอนแก่น </a:t>
+            </a:r>
+          </a:p>
+        </p:txBody>
+      </p:sp>
     </p:spTree>
     <p:extLst>
       <p:ext uri="{BB962C8B-B14F-4D97-AF65-F5344CB8AC3E}">
@@ -11371,6 +11979,73 @@
           </a:prstGeom>
         </p:spPr>
       </p:pic>
+      <p:sp>
+        <p:nvSpPr>
+          <p:cNvPr id="11" name="TextBox 10">
+            <a:extLst>
+              <a:ext uri="{FF2B5EF4-FFF2-40B4-BE49-F238E27FC236}">
+                <a16:creationId xmlns:a16="http://schemas.microsoft.com/office/drawing/2014/main" id="{1DA920CB-0F57-F260-2241-AC8E26728EDB}"/>
+              </a:ext>
+            </a:extLst>
+          </p:cNvPr>
+          <p:cNvSpPr txBox="1"/>
+          <p:nvPr/>
+        </p:nvSpPr>
+        <p:spPr>
+          <a:xfrm>
+            <a:off x="114677" y="6172611"/>
+            <a:ext cx="5532120" cy="461665"/>
+          </a:xfrm>
+          <a:prstGeom prst="rect">
+            <a:avLst/>
+          </a:prstGeom>
+          <a:noFill/>
+        </p:spPr>
+        <p:txBody>
+          <a:bodyPr wrap="square">
+            <a:spAutoFit/>
+          </a:bodyPr>
+          <a:lstStyle/>
+          <a:p>
+            <a:pPr algn="l"/>
+            <a:r>
+              <a:rPr lang="th-TH" sz="2400" dirty="0">
+                <a:latin typeface="TH SarabunPSK" panose="020B0500040200020003" pitchFamily="34" charset="-34"/>
+                <a:cs typeface="TH SarabunPSK" panose="020B0500040200020003" pitchFamily="34" charset="-34"/>
+              </a:rPr>
+              <a:t>โดย ผศ</a:t>
+            </a:r>
+            <a:r>
+              <a:rPr lang="en-US" sz="2400" dirty="0">
+                <a:latin typeface="TH SarabunPSK" panose="020B0500040200020003" pitchFamily="34" charset="-34"/>
+                <a:cs typeface="TH SarabunPSK" panose="020B0500040200020003" pitchFamily="34" charset="-34"/>
+              </a:rPr>
+              <a:t>. </a:t>
+            </a:r>
+            <a:r>
+              <a:rPr lang="th-TH" sz="2400" dirty="0">
+                <a:latin typeface="TH SarabunPSK" panose="020B0500040200020003" pitchFamily="34" charset="-34"/>
+                <a:cs typeface="TH SarabunPSK" panose="020B0500040200020003" pitchFamily="34" charset="-34"/>
+              </a:rPr>
+              <a:t>ดร</a:t>
+            </a:r>
+            <a:r>
+              <a:rPr lang="en-US" sz="2400" dirty="0">
+                <a:latin typeface="TH SarabunPSK" panose="020B0500040200020003" pitchFamily="34" charset="-34"/>
+                <a:cs typeface="TH SarabunPSK" panose="020B0500040200020003" pitchFamily="34" charset="-34"/>
+              </a:rPr>
+              <a:t>.</a:t>
+            </a:r>
+            <a:r>
+              <a:rPr lang="th-TH" sz="2400" dirty="0">
+                <a:latin typeface="TH SarabunPSK" panose="020B0500040200020003" pitchFamily="34" charset="-34"/>
+                <a:cs typeface="TH SarabunPSK" panose="020B0500040200020003" pitchFamily="34" charset="-34"/>
+              </a:rPr>
+              <a:t>ธนพงศ์ อินทระ สาขาวิชาสถิติ มหาวิทยาลัยขอนแก่น </a:t>
+            </a:r>
+          </a:p>
+        </p:txBody>
+      </p:sp>
     </p:spTree>
     <p:extLst>
       <p:ext uri="{BB962C8B-B14F-4D97-AF65-F5344CB8AC3E}">
@@ -12219,6 +12894,73 @@
           </a:prstGeom>
         </p:spPr>
       </p:pic>
+      <p:sp>
+        <p:nvSpPr>
+          <p:cNvPr id="11" name="TextBox 10">
+            <a:extLst>
+              <a:ext uri="{FF2B5EF4-FFF2-40B4-BE49-F238E27FC236}">
+                <a16:creationId xmlns:a16="http://schemas.microsoft.com/office/drawing/2014/main" id="{FF3D9EE8-511A-52C1-D326-748BE8A678B1}"/>
+              </a:ext>
+            </a:extLst>
+          </p:cNvPr>
+          <p:cNvSpPr txBox="1"/>
+          <p:nvPr/>
+        </p:nvSpPr>
+        <p:spPr>
+          <a:xfrm>
+            <a:off x="114677" y="6172611"/>
+            <a:ext cx="5532120" cy="461665"/>
+          </a:xfrm>
+          <a:prstGeom prst="rect">
+            <a:avLst/>
+          </a:prstGeom>
+          <a:noFill/>
+        </p:spPr>
+        <p:txBody>
+          <a:bodyPr wrap="square">
+            <a:spAutoFit/>
+          </a:bodyPr>
+          <a:lstStyle/>
+          <a:p>
+            <a:pPr algn="l"/>
+            <a:r>
+              <a:rPr lang="th-TH" sz="2400" dirty="0">
+                <a:latin typeface="TH SarabunPSK" panose="020B0500040200020003" pitchFamily="34" charset="-34"/>
+                <a:cs typeface="TH SarabunPSK" panose="020B0500040200020003" pitchFamily="34" charset="-34"/>
+              </a:rPr>
+              <a:t>โดย ผศ</a:t>
+            </a:r>
+            <a:r>
+              <a:rPr lang="en-US" sz="2400" dirty="0">
+                <a:latin typeface="TH SarabunPSK" panose="020B0500040200020003" pitchFamily="34" charset="-34"/>
+                <a:cs typeface="TH SarabunPSK" panose="020B0500040200020003" pitchFamily="34" charset="-34"/>
+              </a:rPr>
+              <a:t>. </a:t>
+            </a:r>
+            <a:r>
+              <a:rPr lang="th-TH" sz="2400" dirty="0">
+                <a:latin typeface="TH SarabunPSK" panose="020B0500040200020003" pitchFamily="34" charset="-34"/>
+                <a:cs typeface="TH SarabunPSK" panose="020B0500040200020003" pitchFamily="34" charset="-34"/>
+              </a:rPr>
+              <a:t>ดร</a:t>
+            </a:r>
+            <a:r>
+              <a:rPr lang="en-US" sz="2400" dirty="0">
+                <a:latin typeface="TH SarabunPSK" panose="020B0500040200020003" pitchFamily="34" charset="-34"/>
+                <a:cs typeface="TH SarabunPSK" panose="020B0500040200020003" pitchFamily="34" charset="-34"/>
+              </a:rPr>
+              <a:t>.</a:t>
+            </a:r>
+            <a:r>
+              <a:rPr lang="th-TH" sz="2400" dirty="0">
+                <a:latin typeface="TH SarabunPSK" panose="020B0500040200020003" pitchFamily="34" charset="-34"/>
+                <a:cs typeface="TH SarabunPSK" panose="020B0500040200020003" pitchFamily="34" charset="-34"/>
+              </a:rPr>
+              <a:t>ธนพงศ์ อินทระ สาขาวิชาสถิติ มหาวิทยาลัยขอนแก่น </a:t>
+            </a:r>
+          </a:p>
+        </p:txBody>
+      </p:sp>
     </p:spTree>
     <p:extLst>
       <p:ext uri="{BB962C8B-B14F-4D97-AF65-F5344CB8AC3E}">
@@ -12900,6 +13642,73 @@
               <a:latin typeface="TH SarabunPSK" panose="020B0500040200020003" pitchFamily="34" charset="-34"/>
               <a:cs typeface="TH SarabunPSK" panose="020B0500040200020003" pitchFamily="34" charset="-34"/>
             </a:endParaRPr>
+          </a:p>
+        </p:txBody>
+      </p:sp>
+      <p:sp>
+        <p:nvSpPr>
+          <p:cNvPr id="9" name="TextBox 8">
+            <a:extLst>
+              <a:ext uri="{FF2B5EF4-FFF2-40B4-BE49-F238E27FC236}">
+                <a16:creationId xmlns:a16="http://schemas.microsoft.com/office/drawing/2014/main" id="{E0760B33-A3E0-6D55-3F78-02AFEEE5E4B3}"/>
+              </a:ext>
+            </a:extLst>
+          </p:cNvPr>
+          <p:cNvSpPr txBox="1"/>
+          <p:nvPr/>
+        </p:nvSpPr>
+        <p:spPr>
+          <a:xfrm>
+            <a:off x="114677" y="6172611"/>
+            <a:ext cx="5532120" cy="461665"/>
+          </a:xfrm>
+          <a:prstGeom prst="rect">
+            <a:avLst/>
+          </a:prstGeom>
+          <a:noFill/>
+        </p:spPr>
+        <p:txBody>
+          <a:bodyPr wrap="square">
+            <a:spAutoFit/>
+          </a:bodyPr>
+          <a:lstStyle/>
+          <a:p>
+            <a:pPr algn="l"/>
+            <a:r>
+              <a:rPr lang="th-TH" sz="2400" dirty="0">
+                <a:latin typeface="TH SarabunPSK" panose="020B0500040200020003" pitchFamily="34" charset="-34"/>
+                <a:cs typeface="TH SarabunPSK" panose="020B0500040200020003" pitchFamily="34" charset="-34"/>
+              </a:rPr>
+              <a:t>โดย ผศ</a:t>
+            </a:r>
+            <a:r>
+              <a:rPr lang="en-US" sz="2400" dirty="0">
+                <a:latin typeface="TH SarabunPSK" panose="020B0500040200020003" pitchFamily="34" charset="-34"/>
+                <a:cs typeface="TH SarabunPSK" panose="020B0500040200020003" pitchFamily="34" charset="-34"/>
+              </a:rPr>
+              <a:t>. </a:t>
+            </a:r>
+            <a:r>
+              <a:rPr lang="th-TH" sz="2400" dirty="0">
+                <a:latin typeface="TH SarabunPSK" panose="020B0500040200020003" pitchFamily="34" charset="-34"/>
+                <a:cs typeface="TH SarabunPSK" panose="020B0500040200020003" pitchFamily="34" charset="-34"/>
+              </a:rPr>
+              <a:t>ดร</a:t>
+            </a:r>
+            <a:r>
+              <a:rPr lang="en-US" sz="2400" dirty="0">
+                <a:latin typeface="TH SarabunPSK" panose="020B0500040200020003" pitchFamily="34" charset="-34"/>
+                <a:cs typeface="TH SarabunPSK" panose="020B0500040200020003" pitchFamily="34" charset="-34"/>
+              </a:rPr>
+              <a:t>.</a:t>
+            </a:r>
+            <a:r>
+              <a:rPr lang="th-TH" sz="2400" dirty="0">
+                <a:latin typeface="TH SarabunPSK" panose="020B0500040200020003" pitchFamily="34" charset="-34"/>
+                <a:cs typeface="TH SarabunPSK" panose="020B0500040200020003" pitchFamily="34" charset="-34"/>
+              </a:rPr>
+              <a:t>ธนพงศ์ อินทระ สาขาวิชาสถิติ มหาวิทยาลัยขอนแก่น </a:t>
+            </a:r>
           </a:p>
         </p:txBody>
       </p:sp>
